--- a/心態的建立.pptx
+++ b/心態的建立.pptx
@@ -5,7 +5,7 @@
     <p:sldMasterId id="2147483648" r:id="rId1"/>
   </p:sldMasterIdLst>
   <p:notesMasterIdLst>
-    <p:notesMasterId r:id="rId9"/>
+    <p:notesMasterId r:id="rId10"/>
   </p:notesMasterIdLst>
   <p:sldIdLst>
     <p:sldId id="256" r:id="rId2"/>
@@ -15,6 +15,7 @@
     <p:sldId id="260" r:id="rId6"/>
     <p:sldId id="261" r:id="rId7"/>
     <p:sldId id="262" r:id="rId8"/>
+    <p:sldId id="263" r:id="rId9"/>
   </p:sldIdLst>
   <p:sldSz cx="12192000" cy="6858000"/>
   <p:notesSz cx="6858000" cy="9144000"/>
@@ -132,6 +133,2964 @@
 </p:presentation>
 </file>
 
+<file path=ppt/diagrams/colors1.xml><?xml version="1.0" encoding="utf-8"?>
+<dgm:colorsDef xmlns:dgm="http://schemas.openxmlformats.org/drawingml/2006/diagram" xmlns:a="http://schemas.openxmlformats.org/drawingml/2006/main" uniqueId="urn:microsoft.com/office/officeart/2005/8/colors/accent1_2">
+  <dgm:title val=""/>
+  <dgm:desc val=""/>
+  <dgm:catLst>
+    <dgm:cat type="accent1" pri="11200"/>
+  </dgm:catLst>
+  <dgm:styleLbl name="node0">
+    <dgm:fillClrLst meth="repeat">
+      <a:schemeClr val="accent1"/>
+    </dgm:fillClrLst>
+    <dgm:linClrLst meth="repeat">
+      <a:schemeClr val="lt1"/>
+    </dgm:linClrLst>
+    <dgm:effectClrLst/>
+    <dgm:txLinClrLst/>
+    <dgm:txFillClrLst/>
+    <dgm:txEffectClrLst/>
+  </dgm:styleLbl>
+  <dgm:styleLbl name="alignNode1">
+    <dgm:fillClrLst meth="repeat">
+      <a:schemeClr val="accent1"/>
+    </dgm:fillClrLst>
+    <dgm:linClrLst meth="repeat">
+      <a:schemeClr val="accent1"/>
+    </dgm:linClrLst>
+    <dgm:effectClrLst/>
+    <dgm:txLinClrLst/>
+    <dgm:txFillClrLst/>
+    <dgm:txEffectClrLst/>
+  </dgm:styleLbl>
+  <dgm:styleLbl name="node1">
+    <dgm:fillClrLst meth="repeat">
+      <a:schemeClr val="accent1"/>
+    </dgm:fillClrLst>
+    <dgm:linClrLst meth="repeat">
+      <a:schemeClr val="lt1"/>
+    </dgm:linClrLst>
+    <dgm:effectClrLst/>
+    <dgm:txLinClrLst/>
+    <dgm:txFillClrLst/>
+    <dgm:txEffectClrLst/>
+  </dgm:styleLbl>
+  <dgm:styleLbl name="lnNode1">
+    <dgm:fillClrLst meth="repeat">
+      <a:schemeClr val="accent1"/>
+    </dgm:fillClrLst>
+    <dgm:linClrLst meth="repeat">
+      <a:schemeClr val="lt1"/>
+    </dgm:linClrLst>
+    <dgm:effectClrLst/>
+    <dgm:txLinClrLst/>
+    <dgm:txFillClrLst/>
+    <dgm:txEffectClrLst/>
+  </dgm:styleLbl>
+  <dgm:styleLbl name="vennNode1">
+    <dgm:fillClrLst meth="repeat">
+      <a:schemeClr val="accent1">
+        <a:alpha val="50000"/>
+      </a:schemeClr>
+    </dgm:fillClrLst>
+    <dgm:linClrLst meth="repeat">
+      <a:schemeClr val="lt1"/>
+    </dgm:linClrLst>
+    <dgm:effectClrLst/>
+    <dgm:txLinClrLst/>
+    <dgm:txFillClrLst/>
+    <dgm:txEffectClrLst/>
+  </dgm:styleLbl>
+  <dgm:styleLbl name="node2">
+    <dgm:fillClrLst meth="repeat">
+      <a:schemeClr val="accent1"/>
+    </dgm:fillClrLst>
+    <dgm:linClrLst meth="repeat">
+      <a:schemeClr val="lt1"/>
+    </dgm:linClrLst>
+    <dgm:effectClrLst/>
+    <dgm:txLinClrLst/>
+    <dgm:txFillClrLst/>
+    <dgm:txEffectClrLst/>
+  </dgm:styleLbl>
+  <dgm:styleLbl name="node3">
+    <dgm:fillClrLst meth="repeat">
+      <a:schemeClr val="accent1"/>
+    </dgm:fillClrLst>
+    <dgm:linClrLst meth="repeat">
+      <a:schemeClr val="lt1"/>
+    </dgm:linClrLst>
+    <dgm:effectClrLst/>
+    <dgm:txLinClrLst/>
+    <dgm:txFillClrLst/>
+    <dgm:txEffectClrLst/>
+  </dgm:styleLbl>
+  <dgm:styleLbl name="node4">
+    <dgm:fillClrLst meth="repeat">
+      <a:schemeClr val="accent1"/>
+    </dgm:fillClrLst>
+    <dgm:linClrLst meth="repeat">
+      <a:schemeClr val="lt1"/>
+    </dgm:linClrLst>
+    <dgm:effectClrLst/>
+    <dgm:txLinClrLst/>
+    <dgm:txFillClrLst/>
+    <dgm:txEffectClrLst/>
+  </dgm:styleLbl>
+  <dgm:styleLbl name="fgImgPlace1">
+    <dgm:fillClrLst meth="repeat">
+      <a:schemeClr val="accent1">
+        <a:tint val="50000"/>
+      </a:schemeClr>
+    </dgm:fillClrLst>
+    <dgm:linClrLst meth="repeat">
+      <a:schemeClr val="lt1"/>
+    </dgm:linClrLst>
+    <dgm:effectClrLst/>
+    <dgm:txLinClrLst/>
+    <dgm:txFillClrLst meth="repeat">
+      <a:schemeClr val="lt1"/>
+    </dgm:txFillClrLst>
+    <dgm:txEffectClrLst/>
+  </dgm:styleLbl>
+  <dgm:styleLbl name="alignImgPlace1">
+    <dgm:fillClrLst meth="repeat">
+      <a:schemeClr val="accent1">
+        <a:tint val="50000"/>
+      </a:schemeClr>
+    </dgm:fillClrLst>
+    <dgm:linClrLst meth="repeat">
+      <a:schemeClr val="lt1"/>
+    </dgm:linClrLst>
+    <dgm:effectClrLst/>
+    <dgm:txLinClrLst/>
+    <dgm:txFillClrLst meth="repeat">
+      <a:schemeClr val="lt1"/>
+    </dgm:txFillClrLst>
+    <dgm:txEffectClrLst/>
+  </dgm:styleLbl>
+  <dgm:styleLbl name="bgImgPlace1">
+    <dgm:fillClrLst meth="repeat">
+      <a:schemeClr val="accent1">
+        <a:tint val="50000"/>
+      </a:schemeClr>
+    </dgm:fillClrLst>
+    <dgm:linClrLst meth="repeat">
+      <a:schemeClr val="lt1"/>
+    </dgm:linClrLst>
+    <dgm:effectClrLst/>
+    <dgm:txLinClrLst/>
+    <dgm:txFillClrLst meth="repeat">
+      <a:schemeClr val="lt1"/>
+    </dgm:txFillClrLst>
+    <dgm:txEffectClrLst/>
+  </dgm:styleLbl>
+  <dgm:styleLbl name="sibTrans2D1">
+    <dgm:fillClrLst meth="repeat">
+      <a:schemeClr val="accent1">
+        <a:tint val="60000"/>
+      </a:schemeClr>
+    </dgm:fillClrLst>
+    <dgm:linClrLst meth="repeat">
+      <a:schemeClr val="accent1">
+        <a:tint val="60000"/>
+      </a:schemeClr>
+    </dgm:linClrLst>
+    <dgm:effectClrLst/>
+    <dgm:txLinClrLst/>
+    <dgm:txFillClrLst/>
+    <dgm:txEffectClrLst/>
+  </dgm:styleLbl>
+  <dgm:styleLbl name="fgSibTrans2D1">
+    <dgm:fillClrLst meth="repeat">
+      <a:schemeClr val="accent1">
+        <a:tint val="60000"/>
+      </a:schemeClr>
+    </dgm:fillClrLst>
+    <dgm:linClrLst meth="repeat">
+      <a:schemeClr val="accent1">
+        <a:tint val="60000"/>
+      </a:schemeClr>
+    </dgm:linClrLst>
+    <dgm:effectClrLst/>
+    <dgm:txLinClrLst/>
+    <dgm:txFillClrLst/>
+    <dgm:txEffectClrLst/>
+  </dgm:styleLbl>
+  <dgm:styleLbl name="bgSibTrans2D1">
+    <dgm:fillClrLst meth="repeat">
+      <a:schemeClr val="accent1">
+        <a:tint val="60000"/>
+      </a:schemeClr>
+    </dgm:fillClrLst>
+    <dgm:linClrLst meth="repeat">
+      <a:schemeClr val="accent1">
+        <a:tint val="60000"/>
+      </a:schemeClr>
+    </dgm:linClrLst>
+    <dgm:effectClrLst/>
+    <dgm:txLinClrLst/>
+    <dgm:txFillClrLst/>
+    <dgm:txEffectClrLst/>
+  </dgm:styleLbl>
+  <dgm:styleLbl name="sibTrans1D1">
+    <dgm:fillClrLst meth="repeat">
+      <a:schemeClr val="accent1"/>
+    </dgm:fillClrLst>
+    <dgm:linClrLst meth="repeat">
+      <a:schemeClr val="accent1"/>
+    </dgm:linClrLst>
+    <dgm:effectClrLst/>
+    <dgm:txLinClrLst/>
+    <dgm:txFillClrLst meth="repeat">
+      <a:schemeClr val="tx1"/>
+    </dgm:txFillClrLst>
+    <dgm:txEffectClrLst/>
+  </dgm:styleLbl>
+  <dgm:styleLbl name="callout">
+    <dgm:fillClrLst meth="repeat">
+      <a:schemeClr val="accent1"/>
+    </dgm:fillClrLst>
+    <dgm:linClrLst meth="repeat">
+      <a:schemeClr val="accent1">
+        <a:tint val="50000"/>
+      </a:schemeClr>
+    </dgm:linClrLst>
+    <dgm:effectClrLst/>
+    <dgm:txLinClrLst/>
+    <dgm:txFillClrLst meth="repeat">
+      <a:schemeClr val="tx1"/>
+    </dgm:txFillClrLst>
+    <dgm:txEffectClrLst/>
+  </dgm:styleLbl>
+  <dgm:styleLbl name="asst0">
+    <dgm:fillClrLst meth="repeat">
+      <a:schemeClr val="accent1"/>
+    </dgm:fillClrLst>
+    <dgm:linClrLst meth="repeat">
+      <a:schemeClr val="lt1"/>
+    </dgm:linClrLst>
+    <dgm:effectClrLst/>
+    <dgm:txLinClrLst/>
+    <dgm:txFillClrLst/>
+    <dgm:txEffectClrLst/>
+  </dgm:styleLbl>
+  <dgm:styleLbl name="asst1">
+    <dgm:fillClrLst meth="repeat">
+      <a:schemeClr val="accent1"/>
+    </dgm:fillClrLst>
+    <dgm:linClrLst meth="repeat">
+      <a:schemeClr val="lt1"/>
+    </dgm:linClrLst>
+    <dgm:effectClrLst/>
+    <dgm:txLinClrLst/>
+    <dgm:txFillClrLst/>
+    <dgm:txEffectClrLst/>
+  </dgm:styleLbl>
+  <dgm:styleLbl name="asst2">
+    <dgm:fillClrLst meth="repeat">
+      <a:schemeClr val="accent1"/>
+    </dgm:fillClrLst>
+    <dgm:linClrLst meth="repeat">
+      <a:schemeClr val="lt1"/>
+    </dgm:linClrLst>
+    <dgm:effectClrLst/>
+    <dgm:txLinClrLst/>
+    <dgm:txFillClrLst/>
+    <dgm:txEffectClrLst/>
+  </dgm:styleLbl>
+  <dgm:styleLbl name="asst3">
+    <dgm:fillClrLst meth="repeat">
+      <a:schemeClr val="accent1"/>
+    </dgm:fillClrLst>
+    <dgm:linClrLst meth="repeat">
+      <a:schemeClr val="lt1"/>
+    </dgm:linClrLst>
+    <dgm:effectClrLst/>
+    <dgm:txLinClrLst/>
+    <dgm:txFillClrLst/>
+    <dgm:txEffectClrLst/>
+  </dgm:styleLbl>
+  <dgm:styleLbl name="asst4">
+    <dgm:fillClrLst meth="repeat">
+      <a:schemeClr val="accent1"/>
+    </dgm:fillClrLst>
+    <dgm:linClrLst meth="repeat">
+      <a:schemeClr val="lt1"/>
+    </dgm:linClrLst>
+    <dgm:effectClrLst/>
+    <dgm:txLinClrLst/>
+    <dgm:txFillClrLst/>
+    <dgm:txEffectClrLst/>
+  </dgm:styleLbl>
+  <dgm:styleLbl name="parChTrans2D1">
+    <dgm:fillClrLst meth="repeat">
+      <a:schemeClr val="accent1">
+        <a:tint val="60000"/>
+      </a:schemeClr>
+    </dgm:fillClrLst>
+    <dgm:linClrLst meth="repeat">
+      <a:schemeClr val="accent1">
+        <a:tint val="60000"/>
+      </a:schemeClr>
+    </dgm:linClrLst>
+    <dgm:effectClrLst/>
+    <dgm:txLinClrLst/>
+    <dgm:txFillClrLst meth="repeat">
+      <a:schemeClr val="lt1"/>
+    </dgm:txFillClrLst>
+    <dgm:txEffectClrLst/>
+  </dgm:styleLbl>
+  <dgm:styleLbl name="parChTrans2D2">
+    <dgm:fillClrLst meth="repeat">
+      <a:schemeClr val="accent1"/>
+    </dgm:fillClrLst>
+    <dgm:linClrLst meth="repeat">
+      <a:schemeClr val="accent1"/>
+    </dgm:linClrLst>
+    <dgm:effectClrLst/>
+    <dgm:txLinClrLst/>
+    <dgm:txFillClrLst meth="repeat">
+      <a:schemeClr val="lt1"/>
+    </dgm:txFillClrLst>
+    <dgm:txEffectClrLst/>
+  </dgm:styleLbl>
+  <dgm:styleLbl name="parChTrans2D3">
+    <dgm:fillClrLst meth="repeat">
+      <a:schemeClr val="accent1"/>
+    </dgm:fillClrLst>
+    <dgm:linClrLst meth="repeat">
+      <a:schemeClr val="accent1"/>
+    </dgm:linClrLst>
+    <dgm:effectClrLst/>
+    <dgm:txLinClrLst/>
+    <dgm:txFillClrLst meth="repeat">
+      <a:schemeClr val="lt1"/>
+    </dgm:txFillClrLst>
+    <dgm:txEffectClrLst/>
+  </dgm:styleLbl>
+  <dgm:styleLbl name="parChTrans2D4">
+    <dgm:fillClrLst meth="repeat">
+      <a:schemeClr val="accent1"/>
+    </dgm:fillClrLst>
+    <dgm:linClrLst meth="repeat">
+      <a:schemeClr val="accent1"/>
+    </dgm:linClrLst>
+    <dgm:effectClrLst/>
+    <dgm:txLinClrLst/>
+    <dgm:txFillClrLst meth="repeat">
+      <a:schemeClr val="lt1"/>
+    </dgm:txFillClrLst>
+    <dgm:txEffectClrLst/>
+  </dgm:styleLbl>
+  <dgm:styleLbl name="parChTrans1D1">
+    <dgm:fillClrLst meth="repeat">
+      <a:schemeClr val="accent1"/>
+    </dgm:fillClrLst>
+    <dgm:linClrLst meth="repeat">
+      <a:schemeClr val="accent1">
+        <a:shade val="60000"/>
+      </a:schemeClr>
+    </dgm:linClrLst>
+    <dgm:effectClrLst/>
+    <dgm:txLinClrLst/>
+    <dgm:txFillClrLst meth="repeat">
+      <a:schemeClr val="tx1"/>
+    </dgm:txFillClrLst>
+    <dgm:txEffectClrLst/>
+  </dgm:styleLbl>
+  <dgm:styleLbl name="parChTrans1D2">
+    <dgm:fillClrLst meth="repeat">
+      <a:schemeClr val="accent1"/>
+    </dgm:fillClrLst>
+    <dgm:linClrLst meth="repeat">
+      <a:schemeClr val="accent1">
+        <a:shade val="60000"/>
+      </a:schemeClr>
+    </dgm:linClrLst>
+    <dgm:effectClrLst/>
+    <dgm:txLinClrLst/>
+    <dgm:txFillClrLst meth="repeat">
+      <a:schemeClr val="tx1"/>
+    </dgm:txFillClrLst>
+    <dgm:txEffectClrLst/>
+  </dgm:styleLbl>
+  <dgm:styleLbl name="parChTrans1D3">
+    <dgm:fillClrLst meth="repeat">
+      <a:schemeClr val="accent1"/>
+    </dgm:fillClrLst>
+    <dgm:linClrLst meth="repeat">
+      <a:schemeClr val="accent1">
+        <a:shade val="80000"/>
+      </a:schemeClr>
+    </dgm:linClrLst>
+    <dgm:effectClrLst/>
+    <dgm:txLinClrLst/>
+    <dgm:txFillClrLst meth="repeat">
+      <a:schemeClr val="tx1"/>
+    </dgm:txFillClrLst>
+    <dgm:txEffectClrLst/>
+  </dgm:styleLbl>
+  <dgm:styleLbl name="parChTrans1D4">
+    <dgm:fillClrLst meth="repeat">
+      <a:schemeClr val="accent1"/>
+    </dgm:fillClrLst>
+    <dgm:linClrLst meth="repeat">
+      <a:schemeClr val="accent1">
+        <a:shade val="80000"/>
+      </a:schemeClr>
+    </dgm:linClrLst>
+    <dgm:effectClrLst/>
+    <dgm:txLinClrLst/>
+    <dgm:txFillClrLst meth="repeat">
+      <a:schemeClr val="tx1"/>
+    </dgm:txFillClrLst>
+    <dgm:txEffectClrLst/>
+  </dgm:styleLbl>
+  <dgm:styleLbl name="fgAcc1">
+    <dgm:fillClrLst meth="repeat">
+      <a:schemeClr val="lt1">
+        <a:alpha val="90000"/>
+      </a:schemeClr>
+    </dgm:fillClrLst>
+    <dgm:linClrLst meth="repeat">
+      <a:schemeClr val="accent1"/>
+    </dgm:linClrLst>
+    <dgm:effectClrLst/>
+    <dgm:txLinClrLst/>
+    <dgm:txFillClrLst meth="repeat">
+      <a:schemeClr val="dk1"/>
+    </dgm:txFillClrLst>
+    <dgm:txEffectClrLst/>
+  </dgm:styleLbl>
+  <dgm:styleLbl name="conFgAcc1">
+    <dgm:fillClrLst meth="repeat">
+      <a:schemeClr val="lt1">
+        <a:alpha val="90000"/>
+      </a:schemeClr>
+    </dgm:fillClrLst>
+    <dgm:linClrLst meth="repeat">
+      <a:schemeClr val="accent1"/>
+    </dgm:linClrLst>
+    <dgm:effectClrLst/>
+    <dgm:txLinClrLst/>
+    <dgm:txFillClrLst meth="repeat">
+      <a:schemeClr val="dk1"/>
+    </dgm:txFillClrLst>
+    <dgm:txEffectClrLst/>
+  </dgm:styleLbl>
+  <dgm:styleLbl name="alignAcc1">
+    <dgm:fillClrLst meth="repeat">
+      <a:schemeClr val="lt1">
+        <a:alpha val="90000"/>
+      </a:schemeClr>
+    </dgm:fillClrLst>
+    <dgm:linClrLst meth="repeat">
+      <a:schemeClr val="accent1"/>
+    </dgm:linClrLst>
+    <dgm:effectClrLst/>
+    <dgm:txLinClrLst/>
+    <dgm:txFillClrLst meth="repeat">
+      <a:schemeClr val="dk1"/>
+    </dgm:txFillClrLst>
+    <dgm:txEffectClrLst/>
+  </dgm:styleLbl>
+  <dgm:styleLbl name="trAlignAcc1">
+    <dgm:fillClrLst meth="repeat">
+      <a:schemeClr val="lt1">
+        <a:alpha val="40000"/>
+      </a:schemeClr>
+    </dgm:fillClrLst>
+    <dgm:linClrLst meth="repeat">
+      <a:schemeClr val="accent1"/>
+    </dgm:linClrLst>
+    <dgm:effectClrLst/>
+    <dgm:txLinClrLst/>
+    <dgm:txFillClrLst meth="repeat">
+      <a:schemeClr val="dk1"/>
+    </dgm:txFillClrLst>
+    <dgm:txEffectClrLst/>
+  </dgm:styleLbl>
+  <dgm:styleLbl name="bgAcc1">
+    <dgm:fillClrLst meth="repeat">
+      <a:schemeClr val="lt1">
+        <a:alpha val="90000"/>
+      </a:schemeClr>
+    </dgm:fillClrLst>
+    <dgm:linClrLst meth="repeat">
+      <a:schemeClr val="accent1"/>
+    </dgm:linClrLst>
+    <dgm:effectClrLst/>
+    <dgm:txLinClrLst/>
+    <dgm:txFillClrLst meth="repeat">
+      <a:schemeClr val="dk1"/>
+    </dgm:txFillClrLst>
+    <dgm:txEffectClrLst/>
+  </dgm:styleLbl>
+  <dgm:styleLbl name="solidFgAcc1">
+    <dgm:fillClrLst meth="repeat">
+      <a:schemeClr val="lt1"/>
+    </dgm:fillClrLst>
+    <dgm:linClrLst meth="repeat">
+      <a:schemeClr val="accent1"/>
+    </dgm:linClrLst>
+    <dgm:effectClrLst/>
+    <dgm:txLinClrLst/>
+    <dgm:txFillClrLst meth="repeat">
+      <a:schemeClr val="dk1"/>
+    </dgm:txFillClrLst>
+    <dgm:txEffectClrLst/>
+  </dgm:styleLbl>
+  <dgm:styleLbl name="solidAlignAcc1">
+    <dgm:fillClrLst meth="repeat">
+      <a:schemeClr val="lt1"/>
+    </dgm:fillClrLst>
+    <dgm:linClrLst meth="repeat">
+      <a:schemeClr val="accent1"/>
+    </dgm:linClrLst>
+    <dgm:effectClrLst/>
+    <dgm:txLinClrLst/>
+    <dgm:txFillClrLst meth="repeat">
+      <a:schemeClr val="dk1"/>
+    </dgm:txFillClrLst>
+    <dgm:txEffectClrLst/>
+  </dgm:styleLbl>
+  <dgm:styleLbl name="solidBgAcc1">
+    <dgm:fillClrLst meth="repeat">
+      <a:schemeClr val="lt1"/>
+    </dgm:fillClrLst>
+    <dgm:linClrLst meth="repeat">
+      <a:schemeClr val="accent1"/>
+    </dgm:linClrLst>
+    <dgm:effectClrLst/>
+    <dgm:txLinClrLst/>
+    <dgm:txFillClrLst meth="repeat">
+      <a:schemeClr val="dk1"/>
+    </dgm:txFillClrLst>
+    <dgm:txEffectClrLst/>
+  </dgm:styleLbl>
+  <dgm:styleLbl name="fgAccFollowNode1">
+    <dgm:fillClrLst meth="repeat">
+      <a:schemeClr val="accent1">
+        <a:alpha val="90000"/>
+        <a:tint val="40000"/>
+      </a:schemeClr>
+    </dgm:fillClrLst>
+    <dgm:linClrLst meth="repeat">
+      <a:schemeClr val="accent1">
+        <a:alpha val="90000"/>
+        <a:tint val="40000"/>
+      </a:schemeClr>
+    </dgm:linClrLst>
+    <dgm:effectClrLst/>
+    <dgm:txLinClrLst/>
+    <dgm:txFillClrLst meth="repeat">
+      <a:schemeClr val="dk1"/>
+    </dgm:txFillClrLst>
+    <dgm:txEffectClrLst/>
+  </dgm:styleLbl>
+  <dgm:styleLbl name="alignAccFollowNode1">
+    <dgm:fillClrLst meth="repeat">
+      <a:schemeClr val="accent1">
+        <a:alpha val="90000"/>
+        <a:tint val="40000"/>
+      </a:schemeClr>
+    </dgm:fillClrLst>
+    <dgm:linClrLst meth="repeat">
+      <a:schemeClr val="accent1">
+        <a:alpha val="90000"/>
+        <a:tint val="40000"/>
+      </a:schemeClr>
+    </dgm:linClrLst>
+    <dgm:effectClrLst/>
+    <dgm:txLinClrLst/>
+    <dgm:txFillClrLst meth="repeat">
+      <a:schemeClr val="dk1"/>
+    </dgm:txFillClrLst>
+    <dgm:txEffectClrLst/>
+  </dgm:styleLbl>
+  <dgm:styleLbl name="bgAccFollowNode1">
+    <dgm:fillClrLst meth="repeat">
+      <a:schemeClr val="accent1">
+        <a:alpha val="90000"/>
+        <a:tint val="40000"/>
+      </a:schemeClr>
+    </dgm:fillClrLst>
+    <dgm:linClrLst meth="repeat">
+      <a:schemeClr val="accent1">
+        <a:alpha val="90000"/>
+        <a:tint val="40000"/>
+      </a:schemeClr>
+    </dgm:linClrLst>
+    <dgm:effectClrLst/>
+    <dgm:txLinClrLst/>
+    <dgm:txFillClrLst meth="repeat">
+      <a:schemeClr val="dk1"/>
+    </dgm:txFillClrLst>
+    <dgm:txEffectClrLst/>
+  </dgm:styleLbl>
+  <dgm:styleLbl name="fgAcc0">
+    <dgm:fillClrLst meth="repeat">
+      <a:schemeClr val="lt1">
+        <a:alpha val="90000"/>
+      </a:schemeClr>
+    </dgm:fillClrLst>
+    <dgm:linClrLst meth="repeat">
+      <a:schemeClr val="accent1"/>
+    </dgm:linClrLst>
+    <dgm:effectClrLst/>
+    <dgm:txLinClrLst/>
+    <dgm:txFillClrLst meth="repeat">
+      <a:schemeClr val="dk1"/>
+    </dgm:txFillClrLst>
+    <dgm:txEffectClrLst/>
+  </dgm:styleLbl>
+  <dgm:styleLbl name="fgAcc2">
+    <dgm:fillClrLst meth="repeat">
+      <a:schemeClr val="lt1">
+        <a:alpha val="90000"/>
+      </a:schemeClr>
+    </dgm:fillClrLst>
+    <dgm:linClrLst meth="repeat">
+      <a:schemeClr val="accent1"/>
+    </dgm:linClrLst>
+    <dgm:effectClrLst/>
+    <dgm:txLinClrLst/>
+    <dgm:txFillClrLst meth="repeat">
+      <a:schemeClr val="dk1"/>
+    </dgm:txFillClrLst>
+    <dgm:txEffectClrLst/>
+  </dgm:styleLbl>
+  <dgm:styleLbl name="fgAcc3">
+    <dgm:fillClrLst meth="repeat">
+      <a:schemeClr val="lt1">
+        <a:alpha val="90000"/>
+      </a:schemeClr>
+    </dgm:fillClrLst>
+    <dgm:linClrLst meth="repeat">
+      <a:schemeClr val="accent1"/>
+    </dgm:linClrLst>
+    <dgm:effectClrLst/>
+    <dgm:txLinClrLst/>
+    <dgm:txFillClrLst meth="repeat">
+      <a:schemeClr val="dk1"/>
+    </dgm:txFillClrLst>
+    <dgm:txEffectClrLst/>
+  </dgm:styleLbl>
+  <dgm:styleLbl name="fgAcc4">
+    <dgm:fillClrLst meth="repeat">
+      <a:schemeClr val="lt1">
+        <a:alpha val="90000"/>
+      </a:schemeClr>
+    </dgm:fillClrLst>
+    <dgm:linClrLst meth="repeat">
+      <a:schemeClr val="accent1"/>
+    </dgm:linClrLst>
+    <dgm:effectClrLst/>
+    <dgm:txLinClrLst/>
+    <dgm:txFillClrLst meth="repeat">
+      <a:schemeClr val="dk1"/>
+    </dgm:txFillClrLst>
+    <dgm:txEffectClrLst/>
+  </dgm:styleLbl>
+  <dgm:styleLbl name="bgShp">
+    <dgm:fillClrLst meth="repeat">
+      <a:schemeClr val="accent1">
+        <a:tint val="40000"/>
+      </a:schemeClr>
+    </dgm:fillClrLst>
+    <dgm:linClrLst meth="repeat">
+      <a:schemeClr val="accent1"/>
+    </dgm:linClrLst>
+    <dgm:effectClrLst/>
+    <dgm:txLinClrLst/>
+    <dgm:txFillClrLst meth="repeat">
+      <a:schemeClr val="dk1"/>
+    </dgm:txFillClrLst>
+    <dgm:txEffectClrLst/>
+  </dgm:styleLbl>
+  <dgm:styleLbl name="dkBgShp">
+    <dgm:fillClrLst meth="repeat">
+      <a:schemeClr val="accent1">
+        <a:shade val="80000"/>
+      </a:schemeClr>
+    </dgm:fillClrLst>
+    <dgm:linClrLst meth="repeat">
+      <a:schemeClr val="accent1"/>
+    </dgm:linClrLst>
+    <dgm:effectClrLst/>
+    <dgm:txLinClrLst/>
+    <dgm:txFillClrLst meth="repeat">
+      <a:schemeClr val="lt1"/>
+    </dgm:txFillClrLst>
+    <dgm:txEffectClrLst/>
+  </dgm:styleLbl>
+  <dgm:styleLbl name="trBgShp">
+    <dgm:fillClrLst meth="repeat">
+      <a:schemeClr val="accent1">
+        <a:tint val="50000"/>
+        <a:alpha val="40000"/>
+      </a:schemeClr>
+    </dgm:fillClrLst>
+    <dgm:linClrLst meth="repeat">
+      <a:schemeClr val="accent1"/>
+    </dgm:linClrLst>
+    <dgm:effectClrLst/>
+    <dgm:txLinClrLst/>
+    <dgm:txFillClrLst meth="repeat">
+      <a:schemeClr val="lt1"/>
+    </dgm:txFillClrLst>
+    <dgm:txEffectClrLst/>
+  </dgm:styleLbl>
+  <dgm:styleLbl name="fgShp">
+    <dgm:fillClrLst meth="repeat">
+      <a:schemeClr val="accent1">
+        <a:tint val="60000"/>
+      </a:schemeClr>
+    </dgm:fillClrLst>
+    <dgm:linClrLst meth="repeat">
+      <a:schemeClr val="lt1"/>
+    </dgm:linClrLst>
+    <dgm:effectClrLst/>
+    <dgm:txLinClrLst/>
+    <dgm:txFillClrLst meth="repeat">
+      <a:schemeClr val="dk1"/>
+    </dgm:txFillClrLst>
+    <dgm:txEffectClrLst/>
+  </dgm:styleLbl>
+  <dgm:styleLbl name="revTx">
+    <dgm:fillClrLst meth="repeat">
+      <a:schemeClr val="lt1">
+        <a:alpha val="0"/>
+      </a:schemeClr>
+    </dgm:fillClrLst>
+    <dgm:linClrLst meth="repeat">
+      <a:schemeClr val="dk1">
+        <a:alpha val="0"/>
+      </a:schemeClr>
+    </dgm:linClrLst>
+    <dgm:effectClrLst/>
+    <dgm:txLinClrLst/>
+    <dgm:txFillClrLst meth="repeat">
+      <a:schemeClr val="tx1"/>
+    </dgm:txFillClrLst>
+    <dgm:txEffectClrLst/>
+  </dgm:styleLbl>
+</dgm:colorsDef>
+</file>
+
+<file path=ppt/diagrams/data1.xml><?xml version="1.0" encoding="utf-8"?>
+<dgm:dataModel xmlns:dgm="http://schemas.openxmlformats.org/drawingml/2006/diagram" xmlns:a="http://schemas.openxmlformats.org/drawingml/2006/main">
+  <dgm:ptLst>
+    <dgm:pt modelId="{A65011B0-679D-4356-82AB-1E3E9039AE36}" type="doc">
+      <dgm:prSet loTypeId="urn:microsoft.com/office/officeart/2018/5/layout/IconCircleLabelList" loCatId="icon" qsTypeId="urn:microsoft.com/office/officeart/2005/8/quickstyle/simple1" qsCatId="simple" csTypeId="urn:microsoft.com/office/officeart/2005/8/colors/accent1_2" csCatId="accent1" phldr="1"/>
+      <dgm:spPr/>
+      <dgm:t>
+        <a:bodyPr/>
+        <a:lstStyle/>
+        <a:p>
+          <a:endParaRPr lang="en-US"/>
+        </a:p>
+      </dgm:t>
+    </dgm:pt>
+    <dgm:pt modelId="{73679AD0-1571-472E-BDC7-3375C0C1F918}">
+      <dgm:prSet custT="1"/>
+      <dgm:spPr/>
+      <dgm:t>
+        <a:bodyPr/>
+        <a:lstStyle/>
+        <a:p>
+          <a:pPr>
+            <a:lnSpc>
+              <a:spcPct val="100000"/>
+            </a:lnSpc>
+            <a:defRPr cap="all"/>
+          </a:pPr>
+          <a:r>
+            <a:rPr lang="zh-TW" sz="1600" dirty="0">
+              <a:latin typeface="華康中特圓體" panose="020F0809000000000000" pitchFamily="49" charset="-120"/>
+              <a:ea typeface="華康中特圓體" panose="020F0809000000000000" pitchFamily="49" charset="-120"/>
+            </a:rPr>
+            <a:t>分解（</a:t>
+          </a:r>
+          <a:r>
+            <a:rPr lang="en-US" sz="1600" dirty="0">
+              <a:latin typeface="華康中特圓體" panose="020F0809000000000000" pitchFamily="49" charset="-120"/>
+              <a:ea typeface="華康中特圓體" panose="020F0809000000000000" pitchFamily="49" charset="-120"/>
+            </a:rPr>
+            <a:t>Divide</a:t>
+          </a:r>
+          <a:r>
+            <a:rPr lang="zh-TW" sz="1600" dirty="0">
+              <a:latin typeface="華康中特圓體" panose="020F0809000000000000" pitchFamily="49" charset="-120"/>
+              <a:ea typeface="華康中特圓體" panose="020F0809000000000000" pitchFamily="49" charset="-120"/>
+            </a:rPr>
+            <a:t>）：將原問題劃分為若干個較小的子問題。這些子問題應與原問題結構相同或類似。</a:t>
+          </a:r>
+          <a:endParaRPr lang="en-US" sz="1600" dirty="0">
+            <a:latin typeface="華康中特圓體" panose="020F0809000000000000" pitchFamily="49" charset="-120"/>
+            <a:ea typeface="華康中特圓體" panose="020F0809000000000000" pitchFamily="49" charset="-120"/>
+          </a:endParaRPr>
+        </a:p>
+      </dgm:t>
+    </dgm:pt>
+    <dgm:pt modelId="{67311C54-E4DF-46DE-B60D-42EBAD8A2A72}" type="parTrans" cxnId="{ADCBAE39-CF92-4A11-B668-A0C1A84A4D1D}">
+      <dgm:prSet/>
+      <dgm:spPr/>
+      <dgm:t>
+        <a:bodyPr/>
+        <a:lstStyle/>
+        <a:p>
+          <a:endParaRPr lang="en-US" sz="2400">
+            <a:latin typeface="華康中特圓體" panose="020F0809000000000000" pitchFamily="49" charset="-120"/>
+            <a:ea typeface="華康中特圓體" panose="020F0809000000000000" pitchFamily="49" charset="-120"/>
+          </a:endParaRPr>
+        </a:p>
+      </dgm:t>
+    </dgm:pt>
+    <dgm:pt modelId="{B65DF0BB-73AD-4C3C-8B89-57CE5B80938F}" type="sibTrans" cxnId="{ADCBAE39-CF92-4A11-B668-A0C1A84A4D1D}">
+      <dgm:prSet/>
+      <dgm:spPr/>
+      <dgm:t>
+        <a:bodyPr/>
+        <a:lstStyle/>
+        <a:p>
+          <a:endParaRPr lang="en-US" sz="2400">
+            <a:latin typeface="華康中特圓體" panose="020F0809000000000000" pitchFamily="49" charset="-120"/>
+            <a:ea typeface="華康中特圓體" panose="020F0809000000000000" pitchFamily="49" charset="-120"/>
+          </a:endParaRPr>
+        </a:p>
+      </dgm:t>
+    </dgm:pt>
+    <dgm:pt modelId="{A37AA2F2-1174-4D15-BDF5-DA1D9F0079C0}">
+      <dgm:prSet custT="1"/>
+      <dgm:spPr/>
+      <dgm:t>
+        <a:bodyPr/>
+        <a:lstStyle/>
+        <a:p>
+          <a:pPr>
+            <a:lnSpc>
+              <a:spcPct val="100000"/>
+            </a:lnSpc>
+            <a:defRPr cap="all"/>
+          </a:pPr>
+          <a:r>
+            <a:rPr lang="zh-TW" sz="1600" dirty="0">
+              <a:latin typeface="華康中特圓體" panose="020F0809000000000000" pitchFamily="49" charset="-120"/>
+              <a:ea typeface="華康中特圓體" panose="020F0809000000000000" pitchFamily="49" charset="-120"/>
+            </a:rPr>
+            <a:t>解決（</a:t>
+          </a:r>
+          <a:r>
+            <a:rPr lang="en-US" sz="1600" dirty="0">
+              <a:latin typeface="華康中特圓體" panose="020F0809000000000000" pitchFamily="49" charset="-120"/>
+              <a:ea typeface="華康中特圓體" panose="020F0809000000000000" pitchFamily="49" charset="-120"/>
+            </a:rPr>
+            <a:t>Conquer</a:t>
+          </a:r>
+          <a:r>
+            <a:rPr lang="zh-TW" sz="1600" dirty="0">
+              <a:latin typeface="華康中特圓體" panose="020F0809000000000000" pitchFamily="49" charset="-120"/>
+              <a:ea typeface="華康中特圓體" panose="020F0809000000000000" pitchFamily="49" charset="-120"/>
+            </a:rPr>
+            <a:t>）：當子問題足夠小時，直接解決。否則，遞迴地使用分治法解決每個子問題。</a:t>
+          </a:r>
+          <a:endParaRPr lang="en-US" sz="1600" dirty="0">
+            <a:latin typeface="華康中特圓體" panose="020F0809000000000000" pitchFamily="49" charset="-120"/>
+            <a:ea typeface="華康中特圓體" panose="020F0809000000000000" pitchFamily="49" charset="-120"/>
+          </a:endParaRPr>
+        </a:p>
+      </dgm:t>
+    </dgm:pt>
+    <dgm:pt modelId="{90DA1EE5-A372-4B70-807A-B87721535721}" type="parTrans" cxnId="{3272FA3C-031C-4E0C-9799-99397E528993}">
+      <dgm:prSet/>
+      <dgm:spPr/>
+      <dgm:t>
+        <a:bodyPr/>
+        <a:lstStyle/>
+        <a:p>
+          <a:endParaRPr lang="en-US" sz="2400">
+            <a:latin typeface="華康中特圓體" panose="020F0809000000000000" pitchFamily="49" charset="-120"/>
+            <a:ea typeface="華康中特圓體" panose="020F0809000000000000" pitchFamily="49" charset="-120"/>
+          </a:endParaRPr>
+        </a:p>
+      </dgm:t>
+    </dgm:pt>
+    <dgm:pt modelId="{884E408E-94AB-487D-BAD5-71C3EE5455EC}" type="sibTrans" cxnId="{3272FA3C-031C-4E0C-9799-99397E528993}">
+      <dgm:prSet/>
+      <dgm:spPr/>
+      <dgm:t>
+        <a:bodyPr/>
+        <a:lstStyle/>
+        <a:p>
+          <a:endParaRPr lang="en-US" sz="2400">
+            <a:latin typeface="華康中特圓體" panose="020F0809000000000000" pitchFamily="49" charset="-120"/>
+            <a:ea typeface="華康中特圓體" panose="020F0809000000000000" pitchFamily="49" charset="-120"/>
+          </a:endParaRPr>
+        </a:p>
+      </dgm:t>
+    </dgm:pt>
+    <dgm:pt modelId="{EB93236A-49EB-4AAA-98E5-FCB4599CEC28}">
+      <dgm:prSet custT="1"/>
+      <dgm:spPr/>
+      <dgm:t>
+        <a:bodyPr/>
+        <a:lstStyle/>
+        <a:p>
+          <a:pPr>
+            <a:lnSpc>
+              <a:spcPct val="100000"/>
+            </a:lnSpc>
+            <a:defRPr cap="all"/>
+          </a:pPr>
+          <a:r>
+            <a:rPr lang="zh-TW" sz="1600" dirty="0">
+              <a:latin typeface="華康中特圓體" panose="020F0809000000000000" pitchFamily="49" charset="-120"/>
+              <a:ea typeface="華康中特圓體" panose="020F0809000000000000" pitchFamily="49" charset="-120"/>
+            </a:rPr>
+            <a:t>合併（</a:t>
+          </a:r>
+          <a:r>
+            <a:rPr lang="en-US" sz="1600" dirty="0">
+              <a:latin typeface="華康中特圓體" panose="020F0809000000000000" pitchFamily="49" charset="-120"/>
+              <a:ea typeface="華康中特圓體" panose="020F0809000000000000" pitchFamily="49" charset="-120"/>
+            </a:rPr>
+            <a:t>Combine</a:t>
+          </a:r>
+          <a:r>
+            <a:rPr lang="zh-TW" sz="1600" dirty="0">
+              <a:latin typeface="華康中特圓體" panose="020F0809000000000000" pitchFamily="49" charset="-120"/>
+              <a:ea typeface="華康中特圓體" panose="020F0809000000000000" pitchFamily="49" charset="-120"/>
+            </a:rPr>
+            <a:t>）：將每個子問題的解決方案合併起來，形成原問題的解決方案。</a:t>
+          </a:r>
+          <a:endParaRPr lang="en-US" sz="1600" dirty="0">
+            <a:latin typeface="華康中特圓體" panose="020F0809000000000000" pitchFamily="49" charset="-120"/>
+            <a:ea typeface="華康中特圓體" panose="020F0809000000000000" pitchFamily="49" charset="-120"/>
+          </a:endParaRPr>
+        </a:p>
+      </dgm:t>
+    </dgm:pt>
+    <dgm:pt modelId="{8D94BFE5-AB05-41D8-8ECF-B9DC892DEE2D}" type="parTrans" cxnId="{73CC467B-68FA-4240-86B7-EA998FA0C318}">
+      <dgm:prSet/>
+      <dgm:spPr/>
+      <dgm:t>
+        <a:bodyPr/>
+        <a:lstStyle/>
+        <a:p>
+          <a:endParaRPr lang="en-US" sz="2400">
+            <a:latin typeface="華康中特圓體" panose="020F0809000000000000" pitchFamily="49" charset="-120"/>
+            <a:ea typeface="華康中特圓體" panose="020F0809000000000000" pitchFamily="49" charset="-120"/>
+          </a:endParaRPr>
+        </a:p>
+      </dgm:t>
+    </dgm:pt>
+    <dgm:pt modelId="{FFF273AB-20F1-4C67-A866-93C2917FDBEC}" type="sibTrans" cxnId="{73CC467B-68FA-4240-86B7-EA998FA0C318}">
+      <dgm:prSet/>
+      <dgm:spPr/>
+      <dgm:t>
+        <a:bodyPr/>
+        <a:lstStyle/>
+        <a:p>
+          <a:endParaRPr lang="en-US" sz="2400">
+            <a:latin typeface="華康中特圓體" panose="020F0809000000000000" pitchFamily="49" charset="-120"/>
+            <a:ea typeface="華康中特圓體" panose="020F0809000000000000" pitchFamily="49" charset="-120"/>
+          </a:endParaRPr>
+        </a:p>
+      </dgm:t>
+    </dgm:pt>
+    <dgm:pt modelId="{AE2E3AA2-C6CE-4FAC-A554-DE0D6F3F6D64}" type="pres">
+      <dgm:prSet presAssocID="{A65011B0-679D-4356-82AB-1E3E9039AE36}" presName="root" presStyleCnt="0">
+        <dgm:presLayoutVars>
+          <dgm:dir/>
+          <dgm:resizeHandles val="exact"/>
+        </dgm:presLayoutVars>
+      </dgm:prSet>
+      <dgm:spPr/>
+    </dgm:pt>
+    <dgm:pt modelId="{62CE1F39-E40E-4595-82EC-0319FE9C4EF4}" type="pres">
+      <dgm:prSet presAssocID="{73679AD0-1571-472E-BDC7-3375C0C1F918}" presName="compNode" presStyleCnt="0"/>
+      <dgm:spPr/>
+    </dgm:pt>
+    <dgm:pt modelId="{93061F99-4012-41E4-966E-8D8FED036AC1}" type="pres">
+      <dgm:prSet presAssocID="{73679AD0-1571-472E-BDC7-3375C0C1F918}" presName="iconBgRect" presStyleLbl="bgShp" presStyleIdx="0" presStyleCnt="3"/>
+      <dgm:spPr/>
+    </dgm:pt>
+    <dgm:pt modelId="{8C11AD13-3C54-4CAE-BAC3-EBD6CAEEA7E9}" type="pres">
+      <dgm:prSet presAssocID="{73679AD0-1571-472E-BDC7-3375C0C1F918}" presName="iconRect" presStyleLbl="node1" presStyleIdx="0" presStyleCnt="3"/>
+      <dgm:spPr>
+        <a:blipFill>
+          <a:blip xmlns:r="http://schemas.openxmlformats.org/officeDocument/2006/relationships" r:embed="rId1">
+            <a:extLst>
+              <a:ext uri="{28A0092B-C50C-407E-A947-70E740481C1C}">
+                <a14:useLocalDpi xmlns:a14="http://schemas.microsoft.com/office/drawing/2010/main" val="0"/>
+              </a:ext>
+              <a:ext uri="{96DAC541-7B7A-43D3-8B79-37D633B846F1}">
+                <asvg:svgBlip xmlns:asvg="http://schemas.microsoft.com/office/drawing/2016/SVG/main" r:embed="rId2"/>
+              </a:ext>
+            </a:extLst>
+          </a:blip>
+          <a:stretch>
+            <a:fillRect/>
+          </a:stretch>
+        </a:blipFill>
+      </dgm:spPr>
+      <dgm:extLst>
+        <a:ext uri="{E40237B7-FDA0-4F09-8148-C483321AD2D9}">
+          <dgm14:cNvPr xmlns:dgm14="http://schemas.microsoft.com/office/drawing/2010/diagram" id="0" name="" descr="垃圾桶"/>
+        </a:ext>
+      </dgm:extLst>
+    </dgm:pt>
+    <dgm:pt modelId="{53A54E11-A002-4E02-918A-62B4E978C477}" type="pres">
+      <dgm:prSet presAssocID="{73679AD0-1571-472E-BDC7-3375C0C1F918}" presName="spaceRect" presStyleCnt="0"/>
+      <dgm:spPr/>
+    </dgm:pt>
+    <dgm:pt modelId="{3DEB67D6-1F5F-464F-A6CA-A7DE487EB1FF}" type="pres">
+      <dgm:prSet presAssocID="{73679AD0-1571-472E-BDC7-3375C0C1F918}" presName="textRect" presStyleLbl="revTx" presStyleIdx="0" presStyleCnt="3" custLinFactNeighborY="-22202">
+        <dgm:presLayoutVars>
+          <dgm:chMax val="1"/>
+          <dgm:chPref val="1"/>
+        </dgm:presLayoutVars>
+      </dgm:prSet>
+      <dgm:spPr/>
+    </dgm:pt>
+    <dgm:pt modelId="{7A0DBFFD-FC7B-4792-895C-FA9B1EACA766}" type="pres">
+      <dgm:prSet presAssocID="{B65DF0BB-73AD-4C3C-8B89-57CE5B80938F}" presName="sibTrans" presStyleCnt="0"/>
+      <dgm:spPr/>
+    </dgm:pt>
+    <dgm:pt modelId="{AA2598F5-B150-4B1B-9D25-E91964171DC6}" type="pres">
+      <dgm:prSet presAssocID="{A37AA2F2-1174-4D15-BDF5-DA1D9F0079C0}" presName="compNode" presStyleCnt="0"/>
+      <dgm:spPr/>
+    </dgm:pt>
+    <dgm:pt modelId="{CD1FFD63-4240-4439-928F-6931070557D3}" type="pres">
+      <dgm:prSet presAssocID="{A37AA2F2-1174-4D15-BDF5-DA1D9F0079C0}" presName="iconBgRect" presStyleLbl="bgShp" presStyleIdx="1" presStyleCnt="3"/>
+      <dgm:spPr/>
+    </dgm:pt>
+    <dgm:pt modelId="{3401CFA0-0E44-43F6-8308-0486E1CF16EB}" type="pres">
+      <dgm:prSet presAssocID="{A37AA2F2-1174-4D15-BDF5-DA1D9F0079C0}" presName="iconRect" presStyleLbl="node1" presStyleIdx="1" presStyleCnt="3"/>
+      <dgm:spPr>
+        <a:blipFill>
+          <a:blip xmlns:r="http://schemas.openxmlformats.org/officeDocument/2006/relationships" r:embed="rId3">
+            <a:extLst>
+              <a:ext uri="{28A0092B-C50C-407E-A947-70E740481C1C}">
+                <a14:useLocalDpi xmlns:a14="http://schemas.microsoft.com/office/drawing/2010/main" val="0"/>
+              </a:ext>
+              <a:ext uri="{96DAC541-7B7A-43D3-8B79-37D633B846F1}">
+                <asvg:svgBlip xmlns:asvg="http://schemas.microsoft.com/office/drawing/2016/SVG/main" r:embed="rId4"/>
+              </a:ext>
+            </a:extLst>
+          </a:blip>
+          <a:stretch>
+            <a:fillRect/>
+          </a:stretch>
+        </a:blipFill>
+      </dgm:spPr>
+      <dgm:extLst>
+        <a:ext uri="{E40237B7-FDA0-4F09-8148-C483321AD2D9}">
+          <dgm14:cNvPr xmlns:dgm14="http://schemas.microsoft.com/office/drawing/2010/diagram" id="0" name="" descr="講臺"/>
+        </a:ext>
+      </dgm:extLst>
+    </dgm:pt>
+    <dgm:pt modelId="{934B8FAD-CBFE-43A2-9A92-AA165DC5213E}" type="pres">
+      <dgm:prSet presAssocID="{A37AA2F2-1174-4D15-BDF5-DA1D9F0079C0}" presName="spaceRect" presStyleCnt="0"/>
+      <dgm:spPr/>
+    </dgm:pt>
+    <dgm:pt modelId="{966E7733-4755-4480-9A28-4EEC994ABE78}" type="pres">
+      <dgm:prSet presAssocID="{A37AA2F2-1174-4D15-BDF5-DA1D9F0079C0}" presName="textRect" presStyleLbl="revTx" presStyleIdx="1" presStyleCnt="3" custLinFactNeighborY="-22202">
+        <dgm:presLayoutVars>
+          <dgm:chMax val="1"/>
+          <dgm:chPref val="1"/>
+        </dgm:presLayoutVars>
+      </dgm:prSet>
+      <dgm:spPr/>
+    </dgm:pt>
+    <dgm:pt modelId="{8C52CDDF-C5D7-45DB-A8BD-551C3BE69E50}" type="pres">
+      <dgm:prSet presAssocID="{884E408E-94AB-487D-BAD5-71C3EE5455EC}" presName="sibTrans" presStyleCnt="0"/>
+      <dgm:spPr/>
+    </dgm:pt>
+    <dgm:pt modelId="{DE410D59-AA8E-470D-BA75-8353D237169D}" type="pres">
+      <dgm:prSet presAssocID="{EB93236A-49EB-4AAA-98E5-FCB4599CEC28}" presName="compNode" presStyleCnt="0"/>
+      <dgm:spPr/>
+    </dgm:pt>
+    <dgm:pt modelId="{0C8CF1B3-234F-409F-B10B-8D4BEB07C867}" type="pres">
+      <dgm:prSet presAssocID="{EB93236A-49EB-4AAA-98E5-FCB4599CEC28}" presName="iconBgRect" presStyleLbl="bgShp" presStyleIdx="2" presStyleCnt="3"/>
+      <dgm:spPr/>
+    </dgm:pt>
+    <dgm:pt modelId="{82A0BFB2-BD51-4E2F-86F1-0EFAA950C224}" type="pres">
+      <dgm:prSet presAssocID="{EB93236A-49EB-4AAA-98E5-FCB4599CEC28}" presName="iconRect" presStyleLbl="node1" presStyleIdx="2" presStyleCnt="3"/>
+      <dgm:spPr>
+        <a:blipFill>
+          <a:blip xmlns:r="http://schemas.openxmlformats.org/officeDocument/2006/relationships" r:embed="rId5">
+            <a:extLst>
+              <a:ext uri="{28A0092B-C50C-407E-A947-70E740481C1C}">
+                <a14:useLocalDpi xmlns:a14="http://schemas.microsoft.com/office/drawing/2010/main" val="0"/>
+              </a:ext>
+              <a:ext uri="{96DAC541-7B7A-43D3-8B79-37D633B846F1}">
+                <asvg:svgBlip xmlns:asvg="http://schemas.microsoft.com/office/drawing/2016/SVG/main" r:embed="rId6"/>
+              </a:ext>
+            </a:extLst>
+          </a:blip>
+          <a:stretch>
+            <a:fillRect/>
+          </a:stretch>
+        </a:blipFill>
+      </dgm:spPr>
+      <dgm:extLst>
+        <a:ext uri="{E40237B7-FDA0-4F09-8148-C483321AD2D9}">
+          <dgm14:cNvPr xmlns:dgm14="http://schemas.microsoft.com/office/drawing/2010/diagram" id="0" name="" descr="Branching Diagram"/>
+        </a:ext>
+      </dgm:extLst>
+    </dgm:pt>
+    <dgm:pt modelId="{E0AA9B0D-7744-42F2-9129-E04683A7CBEC}" type="pres">
+      <dgm:prSet presAssocID="{EB93236A-49EB-4AAA-98E5-FCB4599CEC28}" presName="spaceRect" presStyleCnt="0"/>
+      <dgm:spPr/>
+    </dgm:pt>
+    <dgm:pt modelId="{FFF65A95-65E7-494E-932C-B6489AA2336F}" type="pres">
+      <dgm:prSet presAssocID="{EB93236A-49EB-4AAA-98E5-FCB4599CEC28}" presName="textRect" presStyleLbl="revTx" presStyleIdx="2" presStyleCnt="3" custLinFactNeighborY="-22202">
+        <dgm:presLayoutVars>
+          <dgm:chMax val="1"/>
+          <dgm:chPref val="1"/>
+        </dgm:presLayoutVars>
+      </dgm:prSet>
+      <dgm:spPr/>
+    </dgm:pt>
+  </dgm:ptLst>
+  <dgm:cxnLst>
+    <dgm:cxn modelId="{ADCBAE39-CF92-4A11-B668-A0C1A84A4D1D}" srcId="{A65011B0-679D-4356-82AB-1E3E9039AE36}" destId="{73679AD0-1571-472E-BDC7-3375C0C1F918}" srcOrd="0" destOrd="0" parTransId="{67311C54-E4DF-46DE-B60D-42EBAD8A2A72}" sibTransId="{B65DF0BB-73AD-4C3C-8B89-57CE5B80938F}"/>
+    <dgm:cxn modelId="{3272FA3C-031C-4E0C-9799-99397E528993}" srcId="{A65011B0-679D-4356-82AB-1E3E9039AE36}" destId="{A37AA2F2-1174-4D15-BDF5-DA1D9F0079C0}" srcOrd="1" destOrd="0" parTransId="{90DA1EE5-A372-4B70-807A-B87721535721}" sibTransId="{884E408E-94AB-487D-BAD5-71C3EE5455EC}"/>
+    <dgm:cxn modelId="{60775D61-25E4-4124-B0D7-489A76FBE26F}" type="presOf" srcId="{A65011B0-679D-4356-82AB-1E3E9039AE36}" destId="{AE2E3AA2-C6CE-4FAC-A554-DE0D6F3F6D64}" srcOrd="0" destOrd="0" presId="urn:microsoft.com/office/officeart/2018/5/layout/IconCircleLabelList"/>
+    <dgm:cxn modelId="{1EF0E767-61CB-42DD-854E-254A5605AF56}" type="presOf" srcId="{73679AD0-1571-472E-BDC7-3375C0C1F918}" destId="{3DEB67D6-1F5F-464F-A6CA-A7DE487EB1FF}" srcOrd="0" destOrd="0" presId="urn:microsoft.com/office/officeart/2018/5/layout/IconCircleLabelList"/>
+    <dgm:cxn modelId="{73CC467B-68FA-4240-86B7-EA998FA0C318}" srcId="{A65011B0-679D-4356-82AB-1E3E9039AE36}" destId="{EB93236A-49EB-4AAA-98E5-FCB4599CEC28}" srcOrd="2" destOrd="0" parTransId="{8D94BFE5-AB05-41D8-8ECF-B9DC892DEE2D}" sibTransId="{FFF273AB-20F1-4C67-A866-93C2917FDBEC}"/>
+    <dgm:cxn modelId="{ED3CA1EE-F3A8-429E-937C-FBF328C1E12A}" type="presOf" srcId="{EB93236A-49EB-4AAA-98E5-FCB4599CEC28}" destId="{FFF65A95-65E7-494E-932C-B6489AA2336F}" srcOrd="0" destOrd="0" presId="urn:microsoft.com/office/officeart/2018/5/layout/IconCircleLabelList"/>
+    <dgm:cxn modelId="{6991C1F6-4DAE-4BEF-8D43-19AF96A3FBC3}" type="presOf" srcId="{A37AA2F2-1174-4D15-BDF5-DA1D9F0079C0}" destId="{966E7733-4755-4480-9A28-4EEC994ABE78}" srcOrd="0" destOrd="0" presId="urn:microsoft.com/office/officeart/2018/5/layout/IconCircleLabelList"/>
+    <dgm:cxn modelId="{4C995825-C902-43D3-88F9-873455D63E3F}" type="presParOf" srcId="{AE2E3AA2-C6CE-4FAC-A554-DE0D6F3F6D64}" destId="{62CE1F39-E40E-4595-82EC-0319FE9C4EF4}" srcOrd="0" destOrd="0" presId="urn:microsoft.com/office/officeart/2018/5/layout/IconCircleLabelList"/>
+    <dgm:cxn modelId="{91E9BC38-43F8-47DE-859D-D80BEB273EE1}" type="presParOf" srcId="{62CE1F39-E40E-4595-82EC-0319FE9C4EF4}" destId="{93061F99-4012-41E4-966E-8D8FED036AC1}" srcOrd="0" destOrd="0" presId="urn:microsoft.com/office/officeart/2018/5/layout/IconCircleLabelList"/>
+    <dgm:cxn modelId="{447EFBF9-0DDF-4816-924E-7F9878182190}" type="presParOf" srcId="{62CE1F39-E40E-4595-82EC-0319FE9C4EF4}" destId="{8C11AD13-3C54-4CAE-BAC3-EBD6CAEEA7E9}" srcOrd="1" destOrd="0" presId="urn:microsoft.com/office/officeart/2018/5/layout/IconCircleLabelList"/>
+    <dgm:cxn modelId="{BDF35570-F08A-4BFB-BE97-96203483A971}" type="presParOf" srcId="{62CE1F39-E40E-4595-82EC-0319FE9C4EF4}" destId="{53A54E11-A002-4E02-918A-62B4E978C477}" srcOrd="2" destOrd="0" presId="urn:microsoft.com/office/officeart/2018/5/layout/IconCircleLabelList"/>
+    <dgm:cxn modelId="{A0F25ACA-CAB5-4263-BBA9-27CBDC2201F3}" type="presParOf" srcId="{62CE1F39-E40E-4595-82EC-0319FE9C4EF4}" destId="{3DEB67D6-1F5F-464F-A6CA-A7DE487EB1FF}" srcOrd="3" destOrd="0" presId="urn:microsoft.com/office/officeart/2018/5/layout/IconCircleLabelList"/>
+    <dgm:cxn modelId="{198A1114-23E7-4A7B-B9BB-FEDC2BF43875}" type="presParOf" srcId="{AE2E3AA2-C6CE-4FAC-A554-DE0D6F3F6D64}" destId="{7A0DBFFD-FC7B-4792-895C-FA9B1EACA766}" srcOrd="1" destOrd="0" presId="urn:microsoft.com/office/officeart/2018/5/layout/IconCircleLabelList"/>
+    <dgm:cxn modelId="{EAEF751E-82D5-4026-A322-675783938C16}" type="presParOf" srcId="{AE2E3AA2-C6CE-4FAC-A554-DE0D6F3F6D64}" destId="{AA2598F5-B150-4B1B-9D25-E91964171DC6}" srcOrd="2" destOrd="0" presId="urn:microsoft.com/office/officeart/2018/5/layout/IconCircleLabelList"/>
+    <dgm:cxn modelId="{5585F05D-4960-45F6-9B44-4D6929311D20}" type="presParOf" srcId="{AA2598F5-B150-4B1B-9D25-E91964171DC6}" destId="{CD1FFD63-4240-4439-928F-6931070557D3}" srcOrd="0" destOrd="0" presId="urn:microsoft.com/office/officeart/2018/5/layout/IconCircleLabelList"/>
+    <dgm:cxn modelId="{54FCE368-3D9C-4699-B1D1-75BEFADDB030}" type="presParOf" srcId="{AA2598F5-B150-4B1B-9D25-E91964171DC6}" destId="{3401CFA0-0E44-43F6-8308-0486E1CF16EB}" srcOrd="1" destOrd="0" presId="urn:microsoft.com/office/officeart/2018/5/layout/IconCircleLabelList"/>
+    <dgm:cxn modelId="{C144B530-AA60-4AA5-BB69-3A9C328403B5}" type="presParOf" srcId="{AA2598F5-B150-4B1B-9D25-E91964171DC6}" destId="{934B8FAD-CBFE-43A2-9A92-AA165DC5213E}" srcOrd="2" destOrd="0" presId="urn:microsoft.com/office/officeart/2018/5/layout/IconCircleLabelList"/>
+    <dgm:cxn modelId="{451E75BA-E398-4813-AFA3-BA24F7252E85}" type="presParOf" srcId="{AA2598F5-B150-4B1B-9D25-E91964171DC6}" destId="{966E7733-4755-4480-9A28-4EEC994ABE78}" srcOrd="3" destOrd="0" presId="urn:microsoft.com/office/officeart/2018/5/layout/IconCircleLabelList"/>
+    <dgm:cxn modelId="{D0D3C37F-01B7-4630-B692-5A29ACFF762E}" type="presParOf" srcId="{AE2E3AA2-C6CE-4FAC-A554-DE0D6F3F6D64}" destId="{8C52CDDF-C5D7-45DB-A8BD-551C3BE69E50}" srcOrd="3" destOrd="0" presId="urn:microsoft.com/office/officeart/2018/5/layout/IconCircleLabelList"/>
+    <dgm:cxn modelId="{013213C6-9796-4E36-BEF4-227588F9B926}" type="presParOf" srcId="{AE2E3AA2-C6CE-4FAC-A554-DE0D6F3F6D64}" destId="{DE410D59-AA8E-470D-BA75-8353D237169D}" srcOrd="4" destOrd="0" presId="urn:microsoft.com/office/officeart/2018/5/layout/IconCircleLabelList"/>
+    <dgm:cxn modelId="{14E6C2A6-6504-4D49-9115-F09E81D4FA79}" type="presParOf" srcId="{DE410D59-AA8E-470D-BA75-8353D237169D}" destId="{0C8CF1B3-234F-409F-B10B-8D4BEB07C867}" srcOrd="0" destOrd="0" presId="urn:microsoft.com/office/officeart/2018/5/layout/IconCircleLabelList"/>
+    <dgm:cxn modelId="{89F1BA03-BAFC-4971-B922-C06439BBF638}" type="presParOf" srcId="{DE410D59-AA8E-470D-BA75-8353D237169D}" destId="{82A0BFB2-BD51-4E2F-86F1-0EFAA950C224}" srcOrd="1" destOrd="0" presId="urn:microsoft.com/office/officeart/2018/5/layout/IconCircleLabelList"/>
+    <dgm:cxn modelId="{F7291BE3-3BFD-4437-A71D-14839E1330D5}" type="presParOf" srcId="{DE410D59-AA8E-470D-BA75-8353D237169D}" destId="{E0AA9B0D-7744-42F2-9129-E04683A7CBEC}" srcOrd="2" destOrd="0" presId="urn:microsoft.com/office/officeart/2018/5/layout/IconCircleLabelList"/>
+    <dgm:cxn modelId="{7B67101A-9BD5-4F1D-88CC-9008BC36FE7B}" type="presParOf" srcId="{DE410D59-AA8E-470D-BA75-8353D237169D}" destId="{FFF65A95-65E7-494E-932C-B6489AA2336F}" srcOrd="3" destOrd="0" presId="urn:microsoft.com/office/officeart/2018/5/layout/IconCircleLabelList"/>
+  </dgm:cxnLst>
+  <dgm:bg/>
+  <dgm:whole/>
+  <dgm:extLst>
+    <a:ext uri="http://schemas.microsoft.com/office/drawing/2008/diagram">
+      <dsp:dataModelExt xmlns:dsp="http://schemas.microsoft.com/office/drawing/2008/diagram" relId="rId7" minVer="http://schemas.openxmlformats.org/drawingml/2006/diagram"/>
+    </a:ext>
+  </dgm:extLst>
+</dgm:dataModel>
+</file>
+
+<file path=ppt/diagrams/drawing1.xml><?xml version="1.0" encoding="utf-8"?>
+<dsp:drawing xmlns:dgm="http://schemas.openxmlformats.org/drawingml/2006/diagram" xmlns:dsp="http://schemas.microsoft.com/office/drawing/2008/diagram" xmlns:a="http://schemas.openxmlformats.org/drawingml/2006/main">
+  <dsp:spTree>
+    <dsp:nvGrpSpPr>
+      <dsp:cNvPr id="0" name=""/>
+      <dsp:cNvGrpSpPr/>
+    </dsp:nvGrpSpPr>
+    <dsp:grpSpPr/>
+    <dsp:sp modelId="{93061F99-4012-41E4-966E-8D8FED036AC1}">
+      <dsp:nvSpPr>
+        <dsp:cNvPr id="0" name=""/>
+        <dsp:cNvSpPr/>
+      </dsp:nvSpPr>
+      <dsp:spPr>
+        <a:xfrm>
+          <a:off x="560450" y="63783"/>
+          <a:ext cx="1475437" cy="1475437"/>
+        </a:xfrm>
+        <a:prstGeom prst="ellipse">
+          <a:avLst/>
+        </a:prstGeom>
+        <a:solidFill>
+          <a:schemeClr val="accent1">
+            <a:tint val="40000"/>
+            <a:hueOff val="0"/>
+            <a:satOff val="0"/>
+            <a:lumOff val="0"/>
+            <a:alphaOff val="0"/>
+          </a:schemeClr>
+        </a:solidFill>
+        <a:ln>
+          <a:noFill/>
+        </a:ln>
+        <a:effectLst/>
+      </dsp:spPr>
+      <dsp:style>
+        <a:lnRef idx="0">
+          <a:scrgbClr r="0" g="0" b="0"/>
+        </a:lnRef>
+        <a:fillRef idx="1">
+          <a:scrgbClr r="0" g="0" b="0"/>
+        </a:fillRef>
+        <a:effectRef idx="0">
+          <a:scrgbClr r="0" g="0" b="0"/>
+        </a:effectRef>
+        <a:fontRef idx="minor"/>
+      </dsp:style>
+    </dsp:sp>
+    <dsp:sp modelId="{8C11AD13-3C54-4CAE-BAC3-EBD6CAEEA7E9}">
+      <dsp:nvSpPr>
+        <dsp:cNvPr id="0" name=""/>
+        <dsp:cNvSpPr/>
+      </dsp:nvSpPr>
+      <dsp:spPr>
+        <a:xfrm>
+          <a:off x="874887" y="378221"/>
+          <a:ext cx="846562" cy="846562"/>
+        </a:xfrm>
+        <a:prstGeom prst="rect">
+          <a:avLst/>
+        </a:prstGeom>
+        <a:blipFill>
+          <a:blip xmlns:r="http://schemas.openxmlformats.org/officeDocument/2006/relationships" r:embed="rId1">
+            <a:extLst>
+              <a:ext uri="{28A0092B-C50C-407E-A947-70E740481C1C}">
+                <a14:useLocalDpi xmlns:a14="http://schemas.microsoft.com/office/drawing/2010/main" val="0"/>
+              </a:ext>
+              <a:ext uri="{96DAC541-7B7A-43D3-8B79-37D633B846F1}">
+                <asvg:svgBlip xmlns:asvg="http://schemas.microsoft.com/office/drawing/2016/SVG/main" r:embed="rId2"/>
+              </a:ext>
+            </a:extLst>
+          </a:blip>
+          <a:stretch>
+            <a:fillRect/>
+          </a:stretch>
+        </a:blipFill>
+        <a:ln w="19050" cap="flat" cmpd="sng" algn="ctr">
+          <a:solidFill>
+            <a:schemeClr val="lt1">
+              <a:hueOff val="0"/>
+              <a:satOff val="0"/>
+              <a:lumOff val="0"/>
+              <a:alphaOff val="0"/>
+            </a:schemeClr>
+          </a:solidFill>
+          <a:prstDash val="solid"/>
+          <a:miter lim="800000"/>
+        </a:ln>
+        <a:effectLst/>
+      </dsp:spPr>
+      <dsp:style>
+        <a:lnRef idx="2">
+          <a:scrgbClr r="0" g="0" b="0"/>
+        </a:lnRef>
+        <a:fillRef idx="1">
+          <a:scrgbClr r="0" g="0" b="0"/>
+        </a:fillRef>
+        <a:effectRef idx="0">
+          <a:scrgbClr r="0" g="0" b="0"/>
+        </a:effectRef>
+        <a:fontRef idx="minor">
+          <a:schemeClr val="lt1"/>
+        </a:fontRef>
+      </dsp:style>
+    </dsp:sp>
+    <dsp:sp modelId="{3DEB67D6-1F5F-464F-A6CA-A7DE487EB1FF}">
+      <dsp:nvSpPr>
+        <dsp:cNvPr id="0" name=""/>
+        <dsp:cNvSpPr/>
+      </dsp:nvSpPr>
+      <dsp:spPr>
+        <a:xfrm>
+          <a:off x="88793" y="1763997"/>
+          <a:ext cx="2418750" cy="1057500"/>
+        </a:xfrm>
+        <a:prstGeom prst="rect">
+          <a:avLst/>
+        </a:prstGeom>
+        <a:noFill/>
+        <a:ln>
+          <a:noFill/>
+        </a:ln>
+        <a:effectLst/>
+      </dsp:spPr>
+      <dsp:style>
+        <a:lnRef idx="0">
+          <a:scrgbClr r="0" g="0" b="0"/>
+        </a:lnRef>
+        <a:fillRef idx="0">
+          <a:scrgbClr r="0" g="0" b="0"/>
+        </a:fillRef>
+        <a:effectRef idx="0">
+          <a:scrgbClr r="0" g="0" b="0"/>
+        </a:effectRef>
+        <a:fontRef idx="minor"/>
+      </dsp:style>
+      <dsp:txBody>
+        <a:bodyPr spcFirstLastPara="0" vert="horz" wrap="square" lIns="0" tIns="0" rIns="0" bIns="0" numCol="1" spcCol="1270" anchor="t" anchorCtr="0">
+          <a:noAutofit/>
+        </a:bodyPr>
+        <a:lstStyle/>
+        <a:p>
+          <a:pPr marL="0" lvl="0" indent="0" algn="ctr" defTabSz="711200">
+            <a:lnSpc>
+              <a:spcPct val="100000"/>
+            </a:lnSpc>
+            <a:spcBef>
+              <a:spcPct val="0"/>
+            </a:spcBef>
+            <a:spcAft>
+              <a:spcPct val="35000"/>
+            </a:spcAft>
+            <a:buNone/>
+            <a:defRPr cap="all"/>
+          </a:pPr>
+          <a:r>
+            <a:rPr lang="zh-TW" sz="1600" kern="1200" dirty="0">
+              <a:latin typeface="華康中特圓體" panose="020F0809000000000000" pitchFamily="49" charset="-120"/>
+              <a:ea typeface="華康中特圓體" panose="020F0809000000000000" pitchFamily="49" charset="-120"/>
+            </a:rPr>
+            <a:t>分解（</a:t>
+          </a:r>
+          <a:r>
+            <a:rPr lang="en-US" sz="1600" kern="1200" dirty="0">
+              <a:latin typeface="華康中特圓體" panose="020F0809000000000000" pitchFamily="49" charset="-120"/>
+              <a:ea typeface="華康中特圓體" panose="020F0809000000000000" pitchFamily="49" charset="-120"/>
+            </a:rPr>
+            <a:t>Divide</a:t>
+          </a:r>
+          <a:r>
+            <a:rPr lang="zh-TW" sz="1600" kern="1200" dirty="0">
+              <a:latin typeface="華康中特圓體" panose="020F0809000000000000" pitchFamily="49" charset="-120"/>
+              <a:ea typeface="華康中特圓體" panose="020F0809000000000000" pitchFamily="49" charset="-120"/>
+            </a:rPr>
+            <a:t>）：將原問題劃分為若干個較小的子問題。這些子問題應與原問題結構相同或類似。</a:t>
+          </a:r>
+          <a:endParaRPr lang="en-US" sz="1600" kern="1200" dirty="0">
+            <a:latin typeface="華康中特圓體" panose="020F0809000000000000" pitchFamily="49" charset="-120"/>
+            <a:ea typeface="華康中特圓體" panose="020F0809000000000000" pitchFamily="49" charset="-120"/>
+          </a:endParaRPr>
+        </a:p>
+      </dsp:txBody>
+      <dsp:txXfrm>
+        <a:off x="88793" y="1763997"/>
+        <a:ext cx="2418750" cy="1057500"/>
+      </dsp:txXfrm>
+    </dsp:sp>
+    <dsp:sp modelId="{CD1FFD63-4240-4439-928F-6931070557D3}">
+      <dsp:nvSpPr>
+        <dsp:cNvPr id="0" name=""/>
+        <dsp:cNvSpPr/>
+      </dsp:nvSpPr>
+      <dsp:spPr>
+        <a:xfrm>
+          <a:off x="3402481" y="63783"/>
+          <a:ext cx="1475437" cy="1475437"/>
+        </a:xfrm>
+        <a:prstGeom prst="ellipse">
+          <a:avLst/>
+        </a:prstGeom>
+        <a:solidFill>
+          <a:schemeClr val="accent1">
+            <a:tint val="40000"/>
+            <a:hueOff val="0"/>
+            <a:satOff val="0"/>
+            <a:lumOff val="0"/>
+            <a:alphaOff val="0"/>
+          </a:schemeClr>
+        </a:solidFill>
+        <a:ln>
+          <a:noFill/>
+        </a:ln>
+        <a:effectLst/>
+      </dsp:spPr>
+      <dsp:style>
+        <a:lnRef idx="0">
+          <a:scrgbClr r="0" g="0" b="0"/>
+        </a:lnRef>
+        <a:fillRef idx="1">
+          <a:scrgbClr r="0" g="0" b="0"/>
+        </a:fillRef>
+        <a:effectRef idx="0">
+          <a:scrgbClr r="0" g="0" b="0"/>
+        </a:effectRef>
+        <a:fontRef idx="minor"/>
+      </dsp:style>
+    </dsp:sp>
+    <dsp:sp modelId="{3401CFA0-0E44-43F6-8308-0486E1CF16EB}">
+      <dsp:nvSpPr>
+        <dsp:cNvPr id="0" name=""/>
+        <dsp:cNvSpPr/>
+      </dsp:nvSpPr>
+      <dsp:spPr>
+        <a:xfrm>
+          <a:off x="3716918" y="378221"/>
+          <a:ext cx="846562" cy="846562"/>
+        </a:xfrm>
+        <a:prstGeom prst="rect">
+          <a:avLst/>
+        </a:prstGeom>
+        <a:blipFill>
+          <a:blip xmlns:r="http://schemas.openxmlformats.org/officeDocument/2006/relationships" r:embed="rId3">
+            <a:extLst>
+              <a:ext uri="{28A0092B-C50C-407E-A947-70E740481C1C}">
+                <a14:useLocalDpi xmlns:a14="http://schemas.microsoft.com/office/drawing/2010/main" val="0"/>
+              </a:ext>
+              <a:ext uri="{96DAC541-7B7A-43D3-8B79-37D633B846F1}">
+                <asvg:svgBlip xmlns:asvg="http://schemas.microsoft.com/office/drawing/2016/SVG/main" r:embed="rId4"/>
+              </a:ext>
+            </a:extLst>
+          </a:blip>
+          <a:stretch>
+            <a:fillRect/>
+          </a:stretch>
+        </a:blipFill>
+        <a:ln w="19050" cap="flat" cmpd="sng" algn="ctr">
+          <a:solidFill>
+            <a:schemeClr val="lt1">
+              <a:hueOff val="0"/>
+              <a:satOff val="0"/>
+              <a:lumOff val="0"/>
+              <a:alphaOff val="0"/>
+            </a:schemeClr>
+          </a:solidFill>
+          <a:prstDash val="solid"/>
+          <a:miter lim="800000"/>
+        </a:ln>
+        <a:effectLst/>
+      </dsp:spPr>
+      <dsp:style>
+        <a:lnRef idx="2">
+          <a:scrgbClr r="0" g="0" b="0"/>
+        </a:lnRef>
+        <a:fillRef idx="1">
+          <a:scrgbClr r="0" g="0" b="0"/>
+        </a:fillRef>
+        <a:effectRef idx="0">
+          <a:scrgbClr r="0" g="0" b="0"/>
+        </a:effectRef>
+        <a:fontRef idx="minor">
+          <a:schemeClr val="lt1"/>
+        </a:fontRef>
+      </dsp:style>
+    </dsp:sp>
+    <dsp:sp modelId="{966E7733-4755-4480-9A28-4EEC994ABE78}">
+      <dsp:nvSpPr>
+        <dsp:cNvPr id="0" name=""/>
+        <dsp:cNvSpPr/>
+      </dsp:nvSpPr>
+      <dsp:spPr>
+        <a:xfrm>
+          <a:off x="2930825" y="1763997"/>
+          <a:ext cx="2418750" cy="1057500"/>
+        </a:xfrm>
+        <a:prstGeom prst="rect">
+          <a:avLst/>
+        </a:prstGeom>
+        <a:noFill/>
+        <a:ln>
+          <a:noFill/>
+        </a:ln>
+        <a:effectLst/>
+      </dsp:spPr>
+      <dsp:style>
+        <a:lnRef idx="0">
+          <a:scrgbClr r="0" g="0" b="0"/>
+        </a:lnRef>
+        <a:fillRef idx="0">
+          <a:scrgbClr r="0" g="0" b="0"/>
+        </a:fillRef>
+        <a:effectRef idx="0">
+          <a:scrgbClr r="0" g="0" b="0"/>
+        </a:effectRef>
+        <a:fontRef idx="minor"/>
+      </dsp:style>
+      <dsp:txBody>
+        <a:bodyPr spcFirstLastPara="0" vert="horz" wrap="square" lIns="0" tIns="0" rIns="0" bIns="0" numCol="1" spcCol="1270" anchor="t" anchorCtr="0">
+          <a:noAutofit/>
+        </a:bodyPr>
+        <a:lstStyle/>
+        <a:p>
+          <a:pPr marL="0" lvl="0" indent="0" algn="ctr" defTabSz="711200">
+            <a:lnSpc>
+              <a:spcPct val="100000"/>
+            </a:lnSpc>
+            <a:spcBef>
+              <a:spcPct val="0"/>
+            </a:spcBef>
+            <a:spcAft>
+              <a:spcPct val="35000"/>
+            </a:spcAft>
+            <a:buNone/>
+            <a:defRPr cap="all"/>
+          </a:pPr>
+          <a:r>
+            <a:rPr lang="zh-TW" sz="1600" kern="1200" dirty="0">
+              <a:latin typeface="華康中特圓體" panose="020F0809000000000000" pitchFamily="49" charset="-120"/>
+              <a:ea typeface="華康中特圓體" panose="020F0809000000000000" pitchFamily="49" charset="-120"/>
+            </a:rPr>
+            <a:t>解決（</a:t>
+          </a:r>
+          <a:r>
+            <a:rPr lang="en-US" sz="1600" kern="1200" dirty="0">
+              <a:latin typeface="華康中特圓體" panose="020F0809000000000000" pitchFamily="49" charset="-120"/>
+              <a:ea typeface="華康中特圓體" panose="020F0809000000000000" pitchFamily="49" charset="-120"/>
+            </a:rPr>
+            <a:t>Conquer</a:t>
+          </a:r>
+          <a:r>
+            <a:rPr lang="zh-TW" sz="1600" kern="1200" dirty="0">
+              <a:latin typeface="華康中特圓體" panose="020F0809000000000000" pitchFamily="49" charset="-120"/>
+              <a:ea typeface="華康中特圓體" panose="020F0809000000000000" pitchFamily="49" charset="-120"/>
+            </a:rPr>
+            <a:t>）：當子問題足夠小時，直接解決。否則，遞迴地使用分治法解決每個子問題。</a:t>
+          </a:r>
+          <a:endParaRPr lang="en-US" sz="1600" kern="1200" dirty="0">
+            <a:latin typeface="華康中特圓體" panose="020F0809000000000000" pitchFamily="49" charset="-120"/>
+            <a:ea typeface="華康中特圓體" panose="020F0809000000000000" pitchFamily="49" charset="-120"/>
+          </a:endParaRPr>
+        </a:p>
+      </dsp:txBody>
+      <dsp:txXfrm>
+        <a:off x="2930825" y="1763997"/>
+        <a:ext cx="2418750" cy="1057500"/>
+      </dsp:txXfrm>
+    </dsp:sp>
+    <dsp:sp modelId="{0C8CF1B3-234F-409F-B10B-8D4BEB07C867}">
+      <dsp:nvSpPr>
+        <dsp:cNvPr id="0" name=""/>
+        <dsp:cNvSpPr/>
+      </dsp:nvSpPr>
+      <dsp:spPr>
+        <a:xfrm>
+          <a:off x="6244512" y="63783"/>
+          <a:ext cx="1475437" cy="1475437"/>
+        </a:xfrm>
+        <a:prstGeom prst="ellipse">
+          <a:avLst/>
+        </a:prstGeom>
+        <a:solidFill>
+          <a:schemeClr val="accent1">
+            <a:tint val="40000"/>
+            <a:hueOff val="0"/>
+            <a:satOff val="0"/>
+            <a:lumOff val="0"/>
+            <a:alphaOff val="0"/>
+          </a:schemeClr>
+        </a:solidFill>
+        <a:ln>
+          <a:noFill/>
+        </a:ln>
+        <a:effectLst/>
+      </dsp:spPr>
+      <dsp:style>
+        <a:lnRef idx="0">
+          <a:scrgbClr r="0" g="0" b="0"/>
+        </a:lnRef>
+        <a:fillRef idx="1">
+          <a:scrgbClr r="0" g="0" b="0"/>
+        </a:fillRef>
+        <a:effectRef idx="0">
+          <a:scrgbClr r="0" g="0" b="0"/>
+        </a:effectRef>
+        <a:fontRef idx="minor"/>
+      </dsp:style>
+    </dsp:sp>
+    <dsp:sp modelId="{82A0BFB2-BD51-4E2F-86F1-0EFAA950C224}">
+      <dsp:nvSpPr>
+        <dsp:cNvPr id="0" name=""/>
+        <dsp:cNvSpPr/>
+      </dsp:nvSpPr>
+      <dsp:spPr>
+        <a:xfrm>
+          <a:off x="6558950" y="378221"/>
+          <a:ext cx="846562" cy="846562"/>
+        </a:xfrm>
+        <a:prstGeom prst="rect">
+          <a:avLst/>
+        </a:prstGeom>
+        <a:blipFill>
+          <a:blip xmlns:r="http://schemas.openxmlformats.org/officeDocument/2006/relationships" r:embed="rId5">
+            <a:extLst>
+              <a:ext uri="{28A0092B-C50C-407E-A947-70E740481C1C}">
+                <a14:useLocalDpi xmlns:a14="http://schemas.microsoft.com/office/drawing/2010/main" val="0"/>
+              </a:ext>
+              <a:ext uri="{96DAC541-7B7A-43D3-8B79-37D633B846F1}">
+                <asvg:svgBlip xmlns:asvg="http://schemas.microsoft.com/office/drawing/2016/SVG/main" r:embed="rId6"/>
+              </a:ext>
+            </a:extLst>
+          </a:blip>
+          <a:stretch>
+            <a:fillRect/>
+          </a:stretch>
+        </a:blipFill>
+        <a:ln w="19050" cap="flat" cmpd="sng" algn="ctr">
+          <a:solidFill>
+            <a:schemeClr val="lt1">
+              <a:hueOff val="0"/>
+              <a:satOff val="0"/>
+              <a:lumOff val="0"/>
+              <a:alphaOff val="0"/>
+            </a:schemeClr>
+          </a:solidFill>
+          <a:prstDash val="solid"/>
+          <a:miter lim="800000"/>
+        </a:ln>
+        <a:effectLst/>
+      </dsp:spPr>
+      <dsp:style>
+        <a:lnRef idx="2">
+          <a:scrgbClr r="0" g="0" b="0"/>
+        </a:lnRef>
+        <a:fillRef idx="1">
+          <a:scrgbClr r="0" g="0" b="0"/>
+        </a:fillRef>
+        <a:effectRef idx="0">
+          <a:scrgbClr r="0" g="0" b="0"/>
+        </a:effectRef>
+        <a:fontRef idx="minor">
+          <a:schemeClr val="lt1"/>
+        </a:fontRef>
+      </dsp:style>
+    </dsp:sp>
+    <dsp:sp modelId="{FFF65A95-65E7-494E-932C-B6489AA2336F}">
+      <dsp:nvSpPr>
+        <dsp:cNvPr id="0" name=""/>
+        <dsp:cNvSpPr/>
+      </dsp:nvSpPr>
+      <dsp:spPr>
+        <a:xfrm>
+          <a:off x="5772856" y="1763997"/>
+          <a:ext cx="2418750" cy="1057500"/>
+        </a:xfrm>
+        <a:prstGeom prst="rect">
+          <a:avLst/>
+        </a:prstGeom>
+        <a:noFill/>
+        <a:ln>
+          <a:noFill/>
+        </a:ln>
+        <a:effectLst/>
+      </dsp:spPr>
+      <dsp:style>
+        <a:lnRef idx="0">
+          <a:scrgbClr r="0" g="0" b="0"/>
+        </a:lnRef>
+        <a:fillRef idx="0">
+          <a:scrgbClr r="0" g="0" b="0"/>
+        </a:fillRef>
+        <a:effectRef idx="0">
+          <a:scrgbClr r="0" g="0" b="0"/>
+        </a:effectRef>
+        <a:fontRef idx="minor"/>
+      </dsp:style>
+      <dsp:txBody>
+        <a:bodyPr spcFirstLastPara="0" vert="horz" wrap="square" lIns="0" tIns="0" rIns="0" bIns="0" numCol="1" spcCol="1270" anchor="t" anchorCtr="0">
+          <a:noAutofit/>
+        </a:bodyPr>
+        <a:lstStyle/>
+        <a:p>
+          <a:pPr marL="0" lvl="0" indent="0" algn="ctr" defTabSz="711200">
+            <a:lnSpc>
+              <a:spcPct val="100000"/>
+            </a:lnSpc>
+            <a:spcBef>
+              <a:spcPct val="0"/>
+            </a:spcBef>
+            <a:spcAft>
+              <a:spcPct val="35000"/>
+            </a:spcAft>
+            <a:buNone/>
+            <a:defRPr cap="all"/>
+          </a:pPr>
+          <a:r>
+            <a:rPr lang="zh-TW" sz="1600" kern="1200" dirty="0">
+              <a:latin typeface="華康中特圓體" panose="020F0809000000000000" pitchFamily="49" charset="-120"/>
+              <a:ea typeface="華康中特圓體" panose="020F0809000000000000" pitchFamily="49" charset="-120"/>
+            </a:rPr>
+            <a:t>合併（</a:t>
+          </a:r>
+          <a:r>
+            <a:rPr lang="en-US" sz="1600" kern="1200" dirty="0">
+              <a:latin typeface="華康中特圓體" panose="020F0809000000000000" pitchFamily="49" charset="-120"/>
+              <a:ea typeface="華康中特圓體" panose="020F0809000000000000" pitchFamily="49" charset="-120"/>
+            </a:rPr>
+            <a:t>Combine</a:t>
+          </a:r>
+          <a:r>
+            <a:rPr lang="zh-TW" sz="1600" kern="1200" dirty="0">
+              <a:latin typeface="華康中特圓體" panose="020F0809000000000000" pitchFamily="49" charset="-120"/>
+              <a:ea typeface="華康中特圓體" panose="020F0809000000000000" pitchFamily="49" charset="-120"/>
+            </a:rPr>
+            <a:t>）：將每個子問題的解決方案合併起來，形成原問題的解決方案。</a:t>
+          </a:r>
+          <a:endParaRPr lang="en-US" sz="1600" kern="1200" dirty="0">
+            <a:latin typeface="華康中特圓體" panose="020F0809000000000000" pitchFamily="49" charset="-120"/>
+            <a:ea typeface="華康中特圓體" panose="020F0809000000000000" pitchFamily="49" charset="-120"/>
+          </a:endParaRPr>
+        </a:p>
+      </dsp:txBody>
+      <dsp:txXfrm>
+        <a:off x="5772856" y="1763997"/>
+        <a:ext cx="2418750" cy="1057500"/>
+      </dsp:txXfrm>
+    </dsp:sp>
+  </dsp:spTree>
+</dsp:drawing>
+</file>
+
+<file path=ppt/diagrams/layout1.xml><?xml version="1.0" encoding="utf-8"?>
+<dgm:layoutDef xmlns:dgm="http://schemas.openxmlformats.org/drawingml/2006/diagram" xmlns:a="http://schemas.openxmlformats.org/drawingml/2006/main" uniqueId="urn:microsoft.com/office/officeart/2018/5/layout/IconCircleLabelList">
+  <dgm:title val="Icon Circle Label List"/>
+  <dgm:desc val="Use to show non-sequential or grouped chunks of information accompanied by a related visuals. Works best with icons or small pictures with short text captions."/>
+  <dgm:catLst>
+    <dgm:cat type="icon" pri="500"/>
+  </dgm:catLst>
+  <dgm:sampData useDef="1">
+    <dgm:dataModel>
+      <dgm:ptLst/>
+      <dgm:bg/>
+      <dgm:whole/>
+    </dgm:dataModel>
+  </dgm:sampData>
+  <dgm:styleData useDef="1">
+    <dgm:dataModel>
+      <dgm:ptLst/>
+      <dgm:bg/>
+      <dgm:whole/>
+    </dgm:dataModel>
+  </dgm:styleData>
+  <dgm:clrData useDef="1">
+    <dgm:dataModel>
+      <dgm:ptLst/>
+      <dgm:bg/>
+      <dgm:whole/>
+    </dgm:dataModel>
+  </dgm:clrData>
+  <dgm:layoutNode name="root">
+    <dgm:varLst>
+      <dgm:dir/>
+      <dgm:resizeHandles val="exact"/>
+    </dgm:varLst>
+    <dgm:choose name="Name0">
+      <dgm:if name="Name1" axis="self" func="var" arg="dir" op="equ" val="norm">
+        <dgm:alg type="snake">
+          <dgm:param type="grDir" val="tL"/>
+          <dgm:param type="flowDir" val="row"/>
+          <dgm:param type="contDir" val="sameDir"/>
+          <dgm:param type="off" val="ctr"/>
+          <dgm:param type="vertAlign" val="mid"/>
+          <dgm:param type="horzAlign" val="ctr"/>
+        </dgm:alg>
+      </dgm:if>
+      <dgm:else name="Name2">
+        <dgm:alg type="snake">
+          <dgm:param type="grDir" val="tR"/>
+          <dgm:param type="flowDir" val="row"/>
+          <dgm:param type="contDir" val="sameDir"/>
+          <dgm:param type="off" val="ctr"/>
+          <dgm:param type="vertAlign" val="mid"/>
+          <dgm:param type="horzAlign" val="ctr"/>
+        </dgm:alg>
+      </dgm:else>
+    </dgm:choose>
+    <dgm:shape xmlns:r="http://schemas.openxmlformats.org/officeDocument/2006/relationships" r:blip="">
+      <dgm:adjLst/>
+    </dgm:shape>
+    <dgm:presOf/>
+    <dgm:choose name="Name3">
+      <dgm:if name="Name4" axis="ch" ptType="node" func="cnt" op="lte" val="2">
+        <dgm:constrLst>
+          <dgm:constr type="h" for="ch" forName="compNode" refType="h" fact="0.4"/>
+          <dgm:constr type="w" for="ch" forName="compNode" val="100"/>
+          <dgm:constr type="w" for="ch" forName="sibTrans" refType="w" refFor="ch" refForName="compNode" fact="0.175"/>
+          <dgm:constr type="sp" refType="w" refFor="ch" refForName="compNode" op="equ" fact="0.25"/>
+          <dgm:constr type="primFontSz" for="des" ptType="node" op="equ" val="44"/>
+          <dgm:constr type="h" for="des" forName="compNode" op="equ"/>
+          <dgm:constr type="h" for="des" forName="textRect" op="equ"/>
+        </dgm:constrLst>
+      </dgm:if>
+      <dgm:if name="Name5" axis="ch" ptType="node" func="cnt" op="lte" val="3">
+        <dgm:constrLst>
+          <dgm:constr type="h" for="ch" forName="compNode" refType="h" fact="0.4"/>
+          <dgm:constr type="w" for="ch" forName="compNode" val="100"/>
+          <dgm:constr type="w" for="ch" forName="sibTrans" refType="w" refFor="ch" refForName="compNode" fact="0.175"/>
+          <dgm:constr type="sp" refType="w" refFor="ch" refForName="compNode" op="equ" fact="0.25"/>
+          <dgm:constr type="primFontSz" for="des" ptType="node" op="equ" val="40"/>
+          <dgm:constr type="h" for="des" forName="compNode" op="equ"/>
+          <dgm:constr type="h" for="des" forName="textRect" op="equ"/>
+        </dgm:constrLst>
+      </dgm:if>
+      <dgm:if name="Name6" axis="ch" ptType="node" func="cnt" op="lte" val="4">
+        <dgm:constrLst>
+          <dgm:constr type="h" for="ch" forName="compNode" refType="h" fact="0.4"/>
+          <dgm:constr type="w" for="ch" forName="compNode" refType="w"/>
+          <dgm:constr type="w" for="ch" forName="sibTrans" refType="w" refFor="ch" refForName="compNode" fact="0.175"/>
+          <dgm:constr type="sp" refType="w" refFor="ch" refForName="compNode" op="equ" fact="0.25"/>
+          <dgm:constr type="primFontSz" for="des" ptType="node" op="equ" val="32"/>
+          <dgm:constr type="h" for="des" forName="compNode" op="equ"/>
+          <dgm:constr type="h" for="des" forName="textRect" op="equ"/>
+        </dgm:constrLst>
+      </dgm:if>
+      <dgm:else name="Name7">
+        <dgm:constrLst>
+          <dgm:constr type="h" for="ch" forName="compNode" refType="h" fact="0.4"/>
+          <dgm:constr type="w" for="ch" forName="compNode" refType="w"/>
+          <dgm:constr type="w" for="ch" forName="sibTrans" refType="w" refFor="ch" refForName="compNode" fact="0.175"/>
+          <dgm:constr type="sp" refType="w" refFor="ch" refForName="compNode" op="equ" fact="0.25"/>
+          <dgm:constr type="primFontSz" for="des" ptType="node" op="equ" val="24"/>
+          <dgm:constr type="h" for="des" forName="compNode" op="equ"/>
+          <dgm:constr type="h" for="des" forName="textRect" op="equ"/>
+        </dgm:constrLst>
+      </dgm:else>
+    </dgm:choose>
+    <dgm:ruleLst>
+      <dgm:rule type="w" for="ch" forName="compNode" val="50" fact="NaN" max="NaN"/>
+    </dgm:ruleLst>
+    <dgm:forEach name="Name8" axis="ch" ptType="node">
+      <dgm:layoutNode name="compNode">
+        <dgm:alg type="composite"/>
+        <dgm:shape xmlns:r="http://schemas.openxmlformats.org/officeDocument/2006/relationships" r:blip="">
+          <dgm:adjLst/>
+        </dgm:shape>
+        <dgm:presOf axis="self"/>
+        <dgm:constrLst>
+          <dgm:constr type="w" for="ch" forName="iconBgRect" refType="w" fact="0.61"/>
+          <dgm:constr type="h" for="ch" forName="iconBgRect" refType="w" refFor="ch" refForName="iconBgRect"/>
+          <dgm:constr type="t" for="ch" forName="iconBgRect"/>
+          <dgm:constr type="ctrX" for="ch" forName="iconBgRect" refType="w" fact="0.5"/>
+          <dgm:constr type="w" for="ch" forName="iconRect" refType="w" fact="0.35"/>
+          <dgm:constr type="h" for="ch" forName="iconRect" refType="w" refFor="ch" refForName="iconRect"/>
+          <dgm:constr type="ctrX" for="ch" forName="iconRect" refType="ctrX" refFor="ch" refForName="iconBgRect"/>
+          <dgm:constr type="ctrY" for="ch" forName="iconRect" refType="ctrY" refFor="ch" refForName="iconBgRect"/>
+          <dgm:constr type="h" for="ch" forName="spaceRect" refType="w" fact="0.19"/>
+          <dgm:constr type="w" for="ch" forName="spaceRect" refType="w"/>
+          <dgm:constr type="l" for="ch" forName="spaceRect"/>
+          <dgm:constr type="t" for="ch" forName="spaceRect" refType="b" refFor="ch" refForName="iconBgRect"/>
+          <dgm:constr type="h" for="ch" forName="textRect" val="20"/>
+          <dgm:constr type="w" for="ch" forName="textRect" refType="w"/>
+          <dgm:constr type="l" for="ch" forName="textRect"/>
+          <dgm:constr type="t" for="ch" forName="textRect" refType="b" refFor="ch" refForName="spaceRect"/>
+        </dgm:constrLst>
+        <dgm:ruleLst>
+          <dgm:rule type="h" val="INF" fact="NaN" max="NaN"/>
+        </dgm:ruleLst>
+        <dgm:layoutNode name="iconBgRect" styleLbl="bgShp">
+          <dgm:alg type="sp"/>
+          <dgm:shape xmlns:r="http://schemas.openxmlformats.org/officeDocument/2006/relationships" type="ellipse" r:blip="">
+            <dgm:adjLst/>
+          </dgm:shape>
+          <dgm:presOf/>
+          <dgm:constrLst/>
+          <dgm:ruleLst/>
+        </dgm:layoutNode>
+        <dgm:layoutNode name="iconRect" styleLbl="node1">
+          <dgm:alg type="sp"/>
+          <dgm:shape xmlns:r="http://schemas.openxmlformats.org/officeDocument/2006/relationships" type="rect" r:blip="" blipPhldr="1">
+            <dgm:adjLst/>
+          </dgm:shape>
+          <dgm:presOf/>
+          <dgm:constrLst/>
+          <dgm:ruleLst/>
+        </dgm:layoutNode>
+        <dgm:layoutNode name="spaceRect">
+          <dgm:alg type="sp"/>
+          <dgm:shape xmlns:r="http://schemas.openxmlformats.org/officeDocument/2006/relationships" r:blip="">
+            <dgm:adjLst/>
+          </dgm:shape>
+          <dgm:presOf/>
+          <dgm:constrLst/>
+          <dgm:ruleLst/>
+        </dgm:layoutNode>
+        <dgm:layoutNode name="textRect" styleLbl="revTx">
+          <dgm:varLst>
+            <dgm:chMax val="1"/>
+            <dgm:chPref val="1"/>
+          </dgm:varLst>
+          <dgm:alg type="tx">
+            <dgm:param type="txAnchorVert" val="t"/>
+          </dgm:alg>
+          <dgm:shape xmlns:r="http://schemas.openxmlformats.org/officeDocument/2006/relationships" type="rect" r:blip="">
+            <dgm:adjLst/>
+          </dgm:shape>
+          <dgm:presOf axis="self" ptType="node"/>
+          <dgm:constrLst>
+            <dgm:constr type="lMarg"/>
+            <dgm:constr type="rMarg"/>
+            <dgm:constr type="tMarg"/>
+            <dgm:constr type="bMarg"/>
+          </dgm:constrLst>
+          <dgm:ruleLst>
+            <dgm:rule type="primFontSz" val="11" fact="NaN" max="NaN"/>
+            <dgm:rule type="h" val="INF" fact="NaN" max="NaN"/>
+          </dgm:ruleLst>
+        </dgm:layoutNode>
+      </dgm:layoutNode>
+      <dgm:forEach name="Name9" axis="followSib" ptType="sibTrans" cnt="1">
+        <dgm:layoutNode name="sibTrans">
+          <dgm:alg type="sp"/>
+          <dgm:shape xmlns:r="http://schemas.openxmlformats.org/officeDocument/2006/relationships" r:blip="">
+            <dgm:adjLst/>
+          </dgm:shape>
+          <dgm:presOf axis="self"/>
+          <dgm:constrLst/>
+          <dgm:ruleLst/>
+        </dgm:layoutNode>
+      </dgm:forEach>
+    </dgm:forEach>
+  </dgm:layoutNode>
+  <dgm:extLst>
+    <a:ext uri="{68A01E43-0DF5-4B5B-8FA6-DAF915123BFB}">
+      <dgm1612:lstStyle xmlns:dgm1612="http://schemas.microsoft.com/office/drawing/2016/12/diagram">
+        <a:lvl1pPr>
+          <a:lnSpc>
+            <a:spcPct val="100000"/>
+          </a:lnSpc>
+          <a:defRPr cap="all"/>
+        </a:lvl1pPr>
+      </dgm1612:lstStyle>
+    </a:ext>
+  </dgm:extLst>
+</dgm:layoutDef>
+</file>
+
+<file path=ppt/diagrams/quickStyle1.xml><?xml version="1.0" encoding="utf-8"?>
+<dgm:styleDef xmlns:dgm="http://schemas.openxmlformats.org/drawingml/2006/diagram" xmlns:a="http://schemas.openxmlformats.org/drawingml/2006/main" uniqueId="urn:microsoft.com/office/officeart/2005/8/quickstyle/simple1">
+  <dgm:title val=""/>
+  <dgm:desc val=""/>
+  <dgm:catLst>
+    <dgm:cat type="simple" pri="10100"/>
+  </dgm:catLst>
+  <dgm:scene3d>
+    <a:camera prst="orthographicFront"/>
+    <a:lightRig rig="threePt" dir="t"/>
+  </dgm:scene3d>
+  <dgm:styleLbl name="node0">
+    <dgm:scene3d>
+      <a:camera prst="orthographicFront"/>
+      <a:lightRig rig="threePt" dir="t"/>
+    </dgm:scene3d>
+    <dgm:sp3d/>
+    <dgm:txPr/>
+    <dgm:style>
+      <a:lnRef idx="2">
+        <a:scrgbClr r="0" g="0" b="0"/>
+      </a:lnRef>
+      <a:fillRef idx="1">
+        <a:scrgbClr r="0" g="0" b="0"/>
+      </a:fillRef>
+      <a:effectRef idx="0">
+        <a:scrgbClr r="0" g="0" b="0"/>
+      </a:effectRef>
+      <a:fontRef idx="minor">
+        <a:schemeClr val="lt1"/>
+      </a:fontRef>
+    </dgm:style>
+  </dgm:styleLbl>
+  <dgm:styleLbl name="lnNode1">
+    <dgm:scene3d>
+      <a:camera prst="orthographicFront"/>
+      <a:lightRig rig="threePt" dir="t"/>
+    </dgm:scene3d>
+    <dgm:sp3d/>
+    <dgm:txPr/>
+    <dgm:style>
+      <a:lnRef idx="2">
+        <a:scrgbClr r="0" g="0" b="0"/>
+      </a:lnRef>
+      <a:fillRef idx="1">
+        <a:scrgbClr r="0" g="0" b="0"/>
+      </a:fillRef>
+      <a:effectRef idx="0">
+        <a:scrgbClr r="0" g="0" b="0"/>
+      </a:effectRef>
+      <a:fontRef idx="minor">
+        <a:schemeClr val="lt1"/>
+      </a:fontRef>
+    </dgm:style>
+  </dgm:styleLbl>
+  <dgm:styleLbl name="vennNode1">
+    <dgm:scene3d>
+      <a:camera prst="orthographicFront"/>
+      <a:lightRig rig="threePt" dir="t"/>
+    </dgm:scene3d>
+    <dgm:sp3d/>
+    <dgm:txPr/>
+    <dgm:style>
+      <a:lnRef idx="2">
+        <a:scrgbClr r="0" g="0" b="0"/>
+      </a:lnRef>
+      <a:fillRef idx="1">
+        <a:scrgbClr r="0" g="0" b="0"/>
+      </a:fillRef>
+      <a:effectRef idx="0">
+        <a:scrgbClr r="0" g="0" b="0"/>
+      </a:effectRef>
+      <a:fontRef idx="minor">
+        <a:schemeClr val="tx1"/>
+      </a:fontRef>
+    </dgm:style>
+  </dgm:styleLbl>
+  <dgm:styleLbl name="alignNode1">
+    <dgm:scene3d>
+      <a:camera prst="orthographicFront"/>
+      <a:lightRig rig="threePt" dir="t"/>
+    </dgm:scene3d>
+    <dgm:sp3d/>
+    <dgm:txPr/>
+    <dgm:style>
+      <a:lnRef idx="2">
+        <a:scrgbClr r="0" g="0" b="0"/>
+      </a:lnRef>
+      <a:fillRef idx="1">
+        <a:scrgbClr r="0" g="0" b="0"/>
+      </a:fillRef>
+      <a:effectRef idx="0">
+        <a:scrgbClr r="0" g="0" b="0"/>
+      </a:effectRef>
+      <a:fontRef idx="minor">
+        <a:schemeClr val="lt1"/>
+      </a:fontRef>
+    </dgm:style>
+  </dgm:styleLbl>
+  <dgm:styleLbl name="node1">
+    <dgm:scene3d>
+      <a:camera prst="orthographicFront"/>
+      <a:lightRig rig="threePt" dir="t"/>
+    </dgm:scene3d>
+    <dgm:sp3d/>
+    <dgm:txPr/>
+    <dgm:style>
+      <a:lnRef idx="2">
+        <a:scrgbClr r="0" g="0" b="0"/>
+      </a:lnRef>
+      <a:fillRef idx="1">
+        <a:scrgbClr r="0" g="0" b="0"/>
+      </a:fillRef>
+      <a:effectRef idx="0">
+        <a:scrgbClr r="0" g="0" b="0"/>
+      </a:effectRef>
+      <a:fontRef idx="minor">
+        <a:schemeClr val="lt1"/>
+      </a:fontRef>
+    </dgm:style>
+  </dgm:styleLbl>
+  <dgm:styleLbl name="node2">
+    <dgm:scene3d>
+      <a:camera prst="orthographicFront"/>
+      <a:lightRig rig="threePt" dir="t"/>
+    </dgm:scene3d>
+    <dgm:sp3d/>
+    <dgm:txPr/>
+    <dgm:style>
+      <a:lnRef idx="2">
+        <a:scrgbClr r="0" g="0" b="0"/>
+      </a:lnRef>
+      <a:fillRef idx="1">
+        <a:scrgbClr r="0" g="0" b="0"/>
+      </a:fillRef>
+      <a:effectRef idx="0">
+        <a:scrgbClr r="0" g="0" b="0"/>
+      </a:effectRef>
+      <a:fontRef idx="minor">
+        <a:schemeClr val="lt1"/>
+      </a:fontRef>
+    </dgm:style>
+  </dgm:styleLbl>
+  <dgm:styleLbl name="node3">
+    <dgm:scene3d>
+      <a:camera prst="orthographicFront"/>
+      <a:lightRig rig="threePt" dir="t"/>
+    </dgm:scene3d>
+    <dgm:sp3d/>
+    <dgm:txPr/>
+    <dgm:style>
+      <a:lnRef idx="2">
+        <a:scrgbClr r="0" g="0" b="0"/>
+      </a:lnRef>
+      <a:fillRef idx="1">
+        <a:scrgbClr r="0" g="0" b="0"/>
+      </a:fillRef>
+      <a:effectRef idx="0">
+        <a:scrgbClr r="0" g="0" b="0"/>
+      </a:effectRef>
+      <a:fontRef idx="minor">
+        <a:schemeClr val="lt1"/>
+      </a:fontRef>
+    </dgm:style>
+  </dgm:styleLbl>
+  <dgm:styleLbl name="node4">
+    <dgm:scene3d>
+      <a:camera prst="orthographicFront"/>
+      <a:lightRig rig="threePt" dir="t"/>
+    </dgm:scene3d>
+    <dgm:sp3d/>
+    <dgm:txPr/>
+    <dgm:style>
+      <a:lnRef idx="2">
+        <a:scrgbClr r="0" g="0" b="0"/>
+      </a:lnRef>
+      <a:fillRef idx="1">
+        <a:scrgbClr r="0" g="0" b="0"/>
+      </a:fillRef>
+      <a:effectRef idx="0">
+        <a:scrgbClr r="0" g="0" b="0"/>
+      </a:effectRef>
+      <a:fontRef idx="minor">
+        <a:schemeClr val="lt1"/>
+      </a:fontRef>
+    </dgm:style>
+  </dgm:styleLbl>
+  <dgm:styleLbl name="fgImgPlace1">
+    <dgm:scene3d>
+      <a:camera prst="orthographicFront"/>
+      <a:lightRig rig="threePt" dir="t"/>
+    </dgm:scene3d>
+    <dgm:sp3d/>
+    <dgm:txPr/>
+    <dgm:style>
+      <a:lnRef idx="2">
+        <a:scrgbClr r="0" g="0" b="0"/>
+      </a:lnRef>
+      <a:fillRef idx="1">
+        <a:scrgbClr r="0" g="0" b="0"/>
+      </a:fillRef>
+      <a:effectRef idx="0">
+        <a:scrgbClr r="0" g="0" b="0"/>
+      </a:effectRef>
+      <a:fontRef idx="minor"/>
+    </dgm:style>
+  </dgm:styleLbl>
+  <dgm:styleLbl name="alignImgPlace1">
+    <dgm:scene3d>
+      <a:camera prst="orthographicFront"/>
+      <a:lightRig rig="threePt" dir="t"/>
+    </dgm:scene3d>
+    <dgm:sp3d/>
+    <dgm:txPr/>
+    <dgm:style>
+      <a:lnRef idx="2">
+        <a:scrgbClr r="0" g="0" b="0"/>
+      </a:lnRef>
+      <a:fillRef idx="1">
+        <a:scrgbClr r="0" g="0" b="0"/>
+      </a:fillRef>
+      <a:effectRef idx="0">
+        <a:scrgbClr r="0" g="0" b="0"/>
+      </a:effectRef>
+      <a:fontRef idx="minor"/>
+    </dgm:style>
+  </dgm:styleLbl>
+  <dgm:styleLbl name="bgImgPlace1">
+    <dgm:scene3d>
+      <a:camera prst="orthographicFront"/>
+      <a:lightRig rig="threePt" dir="t"/>
+    </dgm:scene3d>
+    <dgm:sp3d/>
+    <dgm:txPr/>
+    <dgm:style>
+      <a:lnRef idx="2">
+        <a:scrgbClr r="0" g="0" b="0"/>
+      </a:lnRef>
+      <a:fillRef idx="1">
+        <a:scrgbClr r="0" g="0" b="0"/>
+      </a:fillRef>
+      <a:effectRef idx="0">
+        <a:scrgbClr r="0" g="0" b="0"/>
+      </a:effectRef>
+      <a:fontRef idx="minor"/>
+    </dgm:style>
+  </dgm:styleLbl>
+  <dgm:styleLbl name="sibTrans2D1">
+    <dgm:scene3d>
+      <a:camera prst="orthographicFront"/>
+      <a:lightRig rig="threePt" dir="t"/>
+    </dgm:scene3d>
+    <dgm:sp3d/>
+    <dgm:txPr/>
+    <dgm:style>
+      <a:lnRef idx="0">
+        <a:scrgbClr r="0" g="0" b="0"/>
+      </a:lnRef>
+      <a:fillRef idx="1">
+        <a:scrgbClr r="0" g="0" b="0"/>
+      </a:fillRef>
+      <a:effectRef idx="0">
+        <a:scrgbClr r="0" g="0" b="0"/>
+      </a:effectRef>
+      <a:fontRef idx="minor">
+        <a:schemeClr val="lt1"/>
+      </a:fontRef>
+    </dgm:style>
+  </dgm:styleLbl>
+  <dgm:styleLbl name="fgSibTrans2D1">
+    <dgm:scene3d>
+      <a:camera prst="orthographicFront"/>
+      <a:lightRig rig="threePt" dir="t"/>
+    </dgm:scene3d>
+    <dgm:sp3d/>
+    <dgm:txPr/>
+    <dgm:style>
+      <a:lnRef idx="0">
+        <a:scrgbClr r="0" g="0" b="0"/>
+      </a:lnRef>
+      <a:fillRef idx="1">
+        <a:scrgbClr r="0" g="0" b="0"/>
+      </a:fillRef>
+      <a:effectRef idx="0">
+        <a:scrgbClr r="0" g="0" b="0"/>
+      </a:effectRef>
+      <a:fontRef idx="minor">
+        <a:schemeClr val="lt1"/>
+      </a:fontRef>
+    </dgm:style>
+  </dgm:styleLbl>
+  <dgm:styleLbl name="bgSibTrans2D1">
+    <dgm:scene3d>
+      <a:camera prst="orthographicFront"/>
+      <a:lightRig rig="threePt" dir="t"/>
+    </dgm:scene3d>
+    <dgm:sp3d/>
+    <dgm:txPr/>
+    <dgm:style>
+      <a:lnRef idx="0">
+        <a:scrgbClr r="0" g="0" b="0"/>
+      </a:lnRef>
+      <a:fillRef idx="1">
+        <a:scrgbClr r="0" g="0" b="0"/>
+      </a:fillRef>
+      <a:effectRef idx="0">
+        <a:scrgbClr r="0" g="0" b="0"/>
+      </a:effectRef>
+      <a:fontRef idx="minor">
+        <a:schemeClr val="lt1"/>
+      </a:fontRef>
+    </dgm:style>
+  </dgm:styleLbl>
+  <dgm:styleLbl name="sibTrans1D1">
+    <dgm:scene3d>
+      <a:camera prst="orthographicFront"/>
+      <a:lightRig rig="threePt" dir="t"/>
+    </dgm:scene3d>
+    <dgm:sp3d/>
+    <dgm:txPr/>
+    <dgm:style>
+      <a:lnRef idx="1">
+        <a:scrgbClr r="0" g="0" b="0"/>
+      </a:lnRef>
+      <a:fillRef idx="0">
+        <a:scrgbClr r="0" g="0" b="0"/>
+      </a:fillRef>
+      <a:effectRef idx="0">
+        <a:scrgbClr r="0" g="0" b="0"/>
+      </a:effectRef>
+      <a:fontRef idx="minor"/>
+    </dgm:style>
+  </dgm:styleLbl>
+  <dgm:styleLbl name="callout">
+    <dgm:scene3d>
+      <a:camera prst="orthographicFront"/>
+      <a:lightRig rig="threePt" dir="t"/>
+    </dgm:scene3d>
+    <dgm:sp3d/>
+    <dgm:txPr/>
+    <dgm:style>
+      <a:lnRef idx="2">
+        <a:scrgbClr r="0" g="0" b="0"/>
+      </a:lnRef>
+      <a:fillRef idx="1">
+        <a:scrgbClr r="0" g="0" b="0"/>
+      </a:fillRef>
+      <a:effectRef idx="0">
+        <a:scrgbClr r="0" g="0" b="0"/>
+      </a:effectRef>
+      <a:fontRef idx="minor"/>
+    </dgm:style>
+  </dgm:styleLbl>
+  <dgm:styleLbl name="asst0">
+    <dgm:scene3d>
+      <a:camera prst="orthographicFront"/>
+      <a:lightRig rig="threePt" dir="t"/>
+    </dgm:scene3d>
+    <dgm:sp3d/>
+    <dgm:txPr/>
+    <dgm:style>
+      <a:lnRef idx="2">
+        <a:scrgbClr r="0" g="0" b="0"/>
+      </a:lnRef>
+      <a:fillRef idx="1">
+        <a:scrgbClr r="0" g="0" b="0"/>
+      </a:fillRef>
+      <a:effectRef idx="0">
+        <a:scrgbClr r="0" g="0" b="0"/>
+      </a:effectRef>
+      <a:fontRef idx="minor">
+        <a:schemeClr val="lt1"/>
+      </a:fontRef>
+    </dgm:style>
+  </dgm:styleLbl>
+  <dgm:styleLbl name="asst1">
+    <dgm:scene3d>
+      <a:camera prst="orthographicFront"/>
+      <a:lightRig rig="threePt" dir="t"/>
+    </dgm:scene3d>
+    <dgm:sp3d/>
+    <dgm:txPr/>
+    <dgm:style>
+      <a:lnRef idx="2">
+        <a:scrgbClr r="0" g="0" b="0"/>
+      </a:lnRef>
+      <a:fillRef idx="1">
+        <a:scrgbClr r="0" g="0" b="0"/>
+      </a:fillRef>
+      <a:effectRef idx="0">
+        <a:scrgbClr r="0" g="0" b="0"/>
+      </a:effectRef>
+      <a:fontRef idx="minor">
+        <a:schemeClr val="lt1"/>
+      </a:fontRef>
+    </dgm:style>
+  </dgm:styleLbl>
+  <dgm:styleLbl name="asst2">
+    <dgm:scene3d>
+      <a:camera prst="orthographicFront"/>
+      <a:lightRig rig="threePt" dir="t"/>
+    </dgm:scene3d>
+    <dgm:sp3d/>
+    <dgm:txPr/>
+    <dgm:style>
+      <a:lnRef idx="2">
+        <a:scrgbClr r="0" g="0" b="0"/>
+      </a:lnRef>
+      <a:fillRef idx="1">
+        <a:scrgbClr r="0" g="0" b="0"/>
+      </a:fillRef>
+      <a:effectRef idx="0">
+        <a:scrgbClr r="0" g="0" b="0"/>
+      </a:effectRef>
+      <a:fontRef idx="minor">
+        <a:schemeClr val="lt1"/>
+      </a:fontRef>
+    </dgm:style>
+  </dgm:styleLbl>
+  <dgm:styleLbl name="asst3">
+    <dgm:scene3d>
+      <a:camera prst="orthographicFront"/>
+      <a:lightRig rig="threePt" dir="t"/>
+    </dgm:scene3d>
+    <dgm:sp3d/>
+    <dgm:txPr/>
+    <dgm:style>
+      <a:lnRef idx="2">
+        <a:scrgbClr r="0" g="0" b="0"/>
+      </a:lnRef>
+      <a:fillRef idx="1">
+        <a:scrgbClr r="0" g="0" b="0"/>
+      </a:fillRef>
+      <a:effectRef idx="0">
+        <a:scrgbClr r="0" g="0" b="0"/>
+      </a:effectRef>
+      <a:fontRef idx="minor">
+        <a:schemeClr val="lt1"/>
+      </a:fontRef>
+    </dgm:style>
+  </dgm:styleLbl>
+  <dgm:styleLbl name="asst4">
+    <dgm:scene3d>
+      <a:camera prst="orthographicFront"/>
+      <a:lightRig rig="threePt" dir="t"/>
+    </dgm:scene3d>
+    <dgm:sp3d/>
+    <dgm:txPr/>
+    <dgm:style>
+      <a:lnRef idx="2">
+        <a:scrgbClr r="0" g="0" b="0"/>
+      </a:lnRef>
+      <a:fillRef idx="1">
+        <a:scrgbClr r="0" g="0" b="0"/>
+      </a:fillRef>
+      <a:effectRef idx="0">
+        <a:scrgbClr r="0" g="0" b="0"/>
+      </a:effectRef>
+      <a:fontRef idx="minor">
+        <a:schemeClr val="lt1"/>
+      </a:fontRef>
+    </dgm:style>
+  </dgm:styleLbl>
+  <dgm:styleLbl name="parChTrans2D1">
+    <dgm:scene3d>
+      <a:camera prst="orthographicFront"/>
+      <a:lightRig rig="threePt" dir="t"/>
+    </dgm:scene3d>
+    <dgm:sp3d/>
+    <dgm:txPr/>
+    <dgm:style>
+      <a:lnRef idx="2">
+        <a:scrgbClr r="0" g="0" b="0"/>
+      </a:lnRef>
+      <a:fillRef idx="1">
+        <a:scrgbClr r="0" g="0" b="0"/>
+      </a:fillRef>
+      <a:effectRef idx="0">
+        <a:scrgbClr r="0" g="0" b="0"/>
+      </a:effectRef>
+      <a:fontRef idx="minor">
+        <a:schemeClr val="lt1"/>
+      </a:fontRef>
+    </dgm:style>
+  </dgm:styleLbl>
+  <dgm:styleLbl name="parChTrans2D2">
+    <dgm:scene3d>
+      <a:camera prst="orthographicFront"/>
+      <a:lightRig rig="threePt" dir="t"/>
+    </dgm:scene3d>
+    <dgm:sp3d/>
+    <dgm:txPr/>
+    <dgm:style>
+      <a:lnRef idx="2">
+        <a:scrgbClr r="0" g="0" b="0"/>
+      </a:lnRef>
+      <a:fillRef idx="1">
+        <a:scrgbClr r="0" g="0" b="0"/>
+      </a:fillRef>
+      <a:effectRef idx="0">
+        <a:scrgbClr r="0" g="0" b="0"/>
+      </a:effectRef>
+      <a:fontRef idx="minor">
+        <a:schemeClr val="lt1"/>
+      </a:fontRef>
+    </dgm:style>
+  </dgm:styleLbl>
+  <dgm:styleLbl name="parChTrans2D3">
+    <dgm:scene3d>
+      <a:camera prst="orthographicFront"/>
+      <a:lightRig rig="threePt" dir="t"/>
+    </dgm:scene3d>
+    <dgm:sp3d/>
+    <dgm:txPr/>
+    <dgm:style>
+      <a:lnRef idx="2">
+        <a:scrgbClr r="0" g="0" b="0"/>
+      </a:lnRef>
+      <a:fillRef idx="1">
+        <a:scrgbClr r="0" g="0" b="0"/>
+      </a:fillRef>
+      <a:effectRef idx="0">
+        <a:scrgbClr r="0" g="0" b="0"/>
+      </a:effectRef>
+      <a:fontRef idx="minor">
+        <a:schemeClr val="lt1"/>
+      </a:fontRef>
+    </dgm:style>
+  </dgm:styleLbl>
+  <dgm:styleLbl name="parChTrans2D4">
+    <dgm:scene3d>
+      <a:camera prst="orthographicFront"/>
+      <a:lightRig rig="threePt" dir="t"/>
+    </dgm:scene3d>
+    <dgm:sp3d/>
+    <dgm:txPr/>
+    <dgm:style>
+      <a:lnRef idx="2">
+        <a:scrgbClr r="0" g="0" b="0"/>
+      </a:lnRef>
+      <a:fillRef idx="1">
+        <a:scrgbClr r="0" g="0" b="0"/>
+      </a:fillRef>
+      <a:effectRef idx="0">
+        <a:scrgbClr r="0" g="0" b="0"/>
+      </a:effectRef>
+      <a:fontRef idx="minor">
+        <a:schemeClr val="lt1"/>
+      </a:fontRef>
+    </dgm:style>
+  </dgm:styleLbl>
+  <dgm:styleLbl name="parChTrans1D1">
+    <dgm:scene3d>
+      <a:camera prst="orthographicFront"/>
+      <a:lightRig rig="threePt" dir="t"/>
+    </dgm:scene3d>
+    <dgm:sp3d/>
+    <dgm:txPr/>
+    <dgm:style>
+      <a:lnRef idx="2">
+        <a:scrgbClr r="0" g="0" b="0"/>
+      </a:lnRef>
+      <a:fillRef idx="0">
+        <a:scrgbClr r="0" g="0" b="0"/>
+      </a:fillRef>
+      <a:effectRef idx="0">
+        <a:scrgbClr r="0" g="0" b="0"/>
+      </a:effectRef>
+      <a:fontRef idx="minor"/>
+    </dgm:style>
+  </dgm:styleLbl>
+  <dgm:styleLbl name="parChTrans1D2">
+    <dgm:scene3d>
+      <a:camera prst="orthographicFront"/>
+      <a:lightRig rig="threePt" dir="t"/>
+    </dgm:scene3d>
+    <dgm:sp3d/>
+    <dgm:txPr/>
+    <dgm:style>
+      <a:lnRef idx="2">
+        <a:scrgbClr r="0" g="0" b="0"/>
+      </a:lnRef>
+      <a:fillRef idx="0">
+        <a:scrgbClr r="0" g="0" b="0"/>
+      </a:fillRef>
+      <a:effectRef idx="0">
+        <a:scrgbClr r="0" g="0" b="0"/>
+      </a:effectRef>
+      <a:fontRef idx="minor"/>
+    </dgm:style>
+  </dgm:styleLbl>
+  <dgm:styleLbl name="parChTrans1D3">
+    <dgm:scene3d>
+      <a:camera prst="orthographicFront"/>
+      <a:lightRig rig="threePt" dir="t"/>
+    </dgm:scene3d>
+    <dgm:sp3d/>
+    <dgm:txPr/>
+    <dgm:style>
+      <a:lnRef idx="2">
+        <a:scrgbClr r="0" g="0" b="0"/>
+      </a:lnRef>
+      <a:fillRef idx="0">
+        <a:scrgbClr r="0" g="0" b="0"/>
+      </a:fillRef>
+      <a:effectRef idx="0">
+        <a:scrgbClr r="0" g="0" b="0"/>
+      </a:effectRef>
+      <a:fontRef idx="minor"/>
+    </dgm:style>
+  </dgm:styleLbl>
+  <dgm:styleLbl name="parChTrans1D4">
+    <dgm:scene3d>
+      <a:camera prst="orthographicFront"/>
+      <a:lightRig rig="threePt" dir="t"/>
+    </dgm:scene3d>
+    <dgm:sp3d/>
+    <dgm:txPr/>
+    <dgm:style>
+      <a:lnRef idx="2">
+        <a:scrgbClr r="0" g="0" b="0"/>
+      </a:lnRef>
+      <a:fillRef idx="0">
+        <a:scrgbClr r="0" g="0" b="0"/>
+      </a:fillRef>
+      <a:effectRef idx="0">
+        <a:scrgbClr r="0" g="0" b="0"/>
+      </a:effectRef>
+      <a:fontRef idx="minor"/>
+    </dgm:style>
+  </dgm:styleLbl>
+  <dgm:styleLbl name="fgAcc1">
+    <dgm:scene3d>
+      <a:camera prst="orthographicFront"/>
+      <a:lightRig rig="threePt" dir="t"/>
+    </dgm:scene3d>
+    <dgm:sp3d/>
+    <dgm:txPr/>
+    <dgm:style>
+      <a:lnRef idx="2">
+        <a:scrgbClr r="0" g="0" b="0"/>
+      </a:lnRef>
+      <a:fillRef idx="1">
+        <a:scrgbClr r="0" g="0" b="0"/>
+      </a:fillRef>
+      <a:effectRef idx="0">
+        <a:scrgbClr r="0" g="0" b="0"/>
+      </a:effectRef>
+      <a:fontRef idx="minor"/>
+    </dgm:style>
+  </dgm:styleLbl>
+  <dgm:styleLbl name="conFgAcc1">
+    <dgm:scene3d>
+      <a:camera prst="orthographicFront"/>
+      <a:lightRig rig="threePt" dir="t"/>
+    </dgm:scene3d>
+    <dgm:sp3d/>
+    <dgm:txPr/>
+    <dgm:style>
+      <a:lnRef idx="2">
+        <a:scrgbClr r="0" g="0" b="0"/>
+      </a:lnRef>
+      <a:fillRef idx="1">
+        <a:scrgbClr r="0" g="0" b="0"/>
+      </a:fillRef>
+      <a:effectRef idx="0">
+        <a:scrgbClr r="0" g="0" b="0"/>
+      </a:effectRef>
+      <a:fontRef idx="minor"/>
+    </dgm:style>
+  </dgm:styleLbl>
+  <dgm:styleLbl name="alignAcc1">
+    <dgm:scene3d>
+      <a:camera prst="orthographicFront"/>
+      <a:lightRig rig="threePt" dir="t"/>
+    </dgm:scene3d>
+    <dgm:sp3d/>
+    <dgm:txPr/>
+    <dgm:style>
+      <a:lnRef idx="2">
+        <a:scrgbClr r="0" g="0" b="0"/>
+      </a:lnRef>
+      <a:fillRef idx="1">
+        <a:scrgbClr r="0" g="0" b="0"/>
+      </a:fillRef>
+      <a:effectRef idx="0">
+        <a:scrgbClr r="0" g="0" b="0"/>
+      </a:effectRef>
+      <a:fontRef idx="minor"/>
+    </dgm:style>
+  </dgm:styleLbl>
+  <dgm:styleLbl name="trAlignAcc1">
+    <dgm:scene3d>
+      <a:camera prst="orthographicFront"/>
+      <a:lightRig rig="threePt" dir="t"/>
+    </dgm:scene3d>
+    <dgm:sp3d/>
+    <dgm:txPr/>
+    <dgm:style>
+      <a:lnRef idx="1">
+        <a:scrgbClr r="0" g="0" b="0"/>
+      </a:lnRef>
+      <a:fillRef idx="1">
+        <a:scrgbClr r="0" g="0" b="0"/>
+      </a:fillRef>
+      <a:effectRef idx="0">
+        <a:scrgbClr r="0" g="0" b="0"/>
+      </a:effectRef>
+      <a:fontRef idx="minor"/>
+    </dgm:style>
+  </dgm:styleLbl>
+  <dgm:styleLbl name="bgAcc1">
+    <dgm:scene3d>
+      <a:camera prst="orthographicFront"/>
+      <a:lightRig rig="threePt" dir="t"/>
+    </dgm:scene3d>
+    <dgm:sp3d/>
+    <dgm:txPr/>
+    <dgm:style>
+      <a:lnRef idx="2">
+        <a:scrgbClr r="0" g="0" b="0"/>
+      </a:lnRef>
+      <a:fillRef idx="1">
+        <a:scrgbClr r="0" g="0" b="0"/>
+      </a:fillRef>
+      <a:effectRef idx="0">
+        <a:scrgbClr r="0" g="0" b="0"/>
+      </a:effectRef>
+      <a:fontRef idx="minor"/>
+    </dgm:style>
+  </dgm:styleLbl>
+  <dgm:styleLbl name="solidFgAcc1">
+    <dgm:scene3d>
+      <a:camera prst="orthographicFront"/>
+      <a:lightRig rig="threePt" dir="t"/>
+    </dgm:scene3d>
+    <dgm:sp3d/>
+    <dgm:txPr/>
+    <dgm:style>
+      <a:lnRef idx="2">
+        <a:scrgbClr r="0" g="0" b="0"/>
+      </a:lnRef>
+      <a:fillRef idx="1">
+        <a:scrgbClr r="0" g="0" b="0"/>
+      </a:fillRef>
+      <a:effectRef idx="0">
+        <a:scrgbClr r="0" g="0" b="0"/>
+      </a:effectRef>
+      <a:fontRef idx="minor"/>
+    </dgm:style>
+  </dgm:styleLbl>
+  <dgm:styleLbl name="solidAlignAcc1">
+    <dgm:scene3d>
+      <a:camera prst="orthographicFront"/>
+      <a:lightRig rig="threePt" dir="t"/>
+    </dgm:scene3d>
+    <dgm:sp3d/>
+    <dgm:txPr/>
+    <dgm:style>
+      <a:lnRef idx="2">
+        <a:scrgbClr r="0" g="0" b="0"/>
+      </a:lnRef>
+      <a:fillRef idx="1">
+        <a:scrgbClr r="0" g="0" b="0"/>
+      </a:fillRef>
+      <a:effectRef idx="0">
+        <a:scrgbClr r="0" g="0" b="0"/>
+      </a:effectRef>
+      <a:fontRef idx="minor"/>
+    </dgm:style>
+  </dgm:styleLbl>
+  <dgm:styleLbl name="solidBgAcc1">
+    <dgm:scene3d>
+      <a:camera prst="orthographicFront"/>
+      <a:lightRig rig="threePt" dir="t"/>
+    </dgm:scene3d>
+    <dgm:sp3d/>
+    <dgm:txPr/>
+    <dgm:style>
+      <a:lnRef idx="2">
+        <a:scrgbClr r="0" g="0" b="0"/>
+      </a:lnRef>
+      <a:fillRef idx="1">
+        <a:scrgbClr r="0" g="0" b="0"/>
+      </a:fillRef>
+      <a:effectRef idx="0">
+        <a:scrgbClr r="0" g="0" b="0"/>
+      </a:effectRef>
+      <a:fontRef idx="minor"/>
+    </dgm:style>
+  </dgm:styleLbl>
+  <dgm:styleLbl name="fgAccFollowNode1">
+    <dgm:scene3d>
+      <a:camera prst="orthographicFront"/>
+      <a:lightRig rig="threePt" dir="t"/>
+    </dgm:scene3d>
+    <dgm:sp3d/>
+    <dgm:txPr/>
+    <dgm:style>
+      <a:lnRef idx="2">
+        <a:scrgbClr r="0" g="0" b="0"/>
+      </a:lnRef>
+      <a:fillRef idx="1">
+        <a:scrgbClr r="0" g="0" b="0"/>
+      </a:fillRef>
+      <a:effectRef idx="0">
+        <a:scrgbClr r="0" g="0" b="0"/>
+      </a:effectRef>
+      <a:fontRef idx="minor"/>
+    </dgm:style>
+  </dgm:styleLbl>
+  <dgm:styleLbl name="alignAccFollowNode1">
+    <dgm:scene3d>
+      <a:camera prst="orthographicFront"/>
+      <a:lightRig rig="threePt" dir="t"/>
+    </dgm:scene3d>
+    <dgm:sp3d/>
+    <dgm:txPr/>
+    <dgm:style>
+      <a:lnRef idx="2">
+        <a:scrgbClr r="0" g="0" b="0"/>
+      </a:lnRef>
+      <a:fillRef idx="1">
+        <a:scrgbClr r="0" g="0" b="0"/>
+      </a:fillRef>
+      <a:effectRef idx="0">
+        <a:scrgbClr r="0" g="0" b="0"/>
+      </a:effectRef>
+      <a:fontRef idx="minor"/>
+    </dgm:style>
+  </dgm:styleLbl>
+  <dgm:styleLbl name="bgAccFollowNode1">
+    <dgm:scene3d>
+      <a:camera prst="orthographicFront"/>
+      <a:lightRig rig="threePt" dir="t"/>
+    </dgm:scene3d>
+    <dgm:sp3d/>
+    <dgm:txPr/>
+    <dgm:style>
+      <a:lnRef idx="2">
+        <a:scrgbClr r="0" g="0" b="0"/>
+      </a:lnRef>
+      <a:fillRef idx="1">
+        <a:scrgbClr r="0" g="0" b="0"/>
+      </a:fillRef>
+      <a:effectRef idx="0">
+        <a:scrgbClr r="0" g="0" b="0"/>
+      </a:effectRef>
+      <a:fontRef idx="minor"/>
+    </dgm:style>
+  </dgm:styleLbl>
+  <dgm:styleLbl name="fgAcc0">
+    <dgm:scene3d>
+      <a:camera prst="orthographicFront"/>
+      <a:lightRig rig="threePt" dir="t"/>
+    </dgm:scene3d>
+    <dgm:sp3d/>
+    <dgm:txPr/>
+    <dgm:style>
+      <a:lnRef idx="2">
+        <a:scrgbClr r="0" g="0" b="0"/>
+      </a:lnRef>
+      <a:fillRef idx="1">
+        <a:scrgbClr r="0" g="0" b="0"/>
+      </a:fillRef>
+      <a:effectRef idx="0">
+        <a:scrgbClr r="0" g="0" b="0"/>
+      </a:effectRef>
+      <a:fontRef idx="minor"/>
+    </dgm:style>
+  </dgm:styleLbl>
+  <dgm:styleLbl name="fgAcc2">
+    <dgm:scene3d>
+      <a:camera prst="orthographicFront"/>
+      <a:lightRig rig="threePt" dir="t"/>
+    </dgm:scene3d>
+    <dgm:sp3d/>
+    <dgm:txPr/>
+    <dgm:style>
+      <a:lnRef idx="2">
+        <a:scrgbClr r="0" g="0" b="0"/>
+      </a:lnRef>
+      <a:fillRef idx="1">
+        <a:scrgbClr r="0" g="0" b="0"/>
+      </a:fillRef>
+      <a:effectRef idx="0">
+        <a:scrgbClr r="0" g="0" b="0"/>
+      </a:effectRef>
+      <a:fontRef idx="minor"/>
+    </dgm:style>
+  </dgm:styleLbl>
+  <dgm:styleLbl name="fgAcc3">
+    <dgm:scene3d>
+      <a:camera prst="orthographicFront"/>
+      <a:lightRig rig="threePt" dir="t"/>
+    </dgm:scene3d>
+    <dgm:sp3d/>
+    <dgm:txPr/>
+    <dgm:style>
+      <a:lnRef idx="2">
+        <a:scrgbClr r="0" g="0" b="0"/>
+      </a:lnRef>
+      <a:fillRef idx="1">
+        <a:scrgbClr r="0" g="0" b="0"/>
+      </a:fillRef>
+      <a:effectRef idx="0">
+        <a:scrgbClr r="0" g="0" b="0"/>
+      </a:effectRef>
+      <a:fontRef idx="minor"/>
+    </dgm:style>
+  </dgm:styleLbl>
+  <dgm:styleLbl name="fgAcc4">
+    <dgm:scene3d>
+      <a:camera prst="orthographicFront"/>
+      <a:lightRig rig="threePt" dir="t"/>
+    </dgm:scene3d>
+    <dgm:sp3d/>
+    <dgm:txPr/>
+    <dgm:style>
+      <a:lnRef idx="2">
+        <a:scrgbClr r="0" g="0" b="0"/>
+      </a:lnRef>
+      <a:fillRef idx="1">
+        <a:scrgbClr r="0" g="0" b="0"/>
+      </a:fillRef>
+      <a:effectRef idx="0">
+        <a:scrgbClr r="0" g="0" b="0"/>
+      </a:effectRef>
+      <a:fontRef idx="minor"/>
+    </dgm:style>
+  </dgm:styleLbl>
+  <dgm:styleLbl name="bgShp">
+    <dgm:scene3d>
+      <a:camera prst="orthographicFront"/>
+      <a:lightRig rig="threePt" dir="t"/>
+    </dgm:scene3d>
+    <dgm:sp3d/>
+    <dgm:txPr/>
+    <dgm:style>
+      <a:lnRef idx="0">
+        <a:scrgbClr r="0" g="0" b="0"/>
+      </a:lnRef>
+      <a:fillRef idx="1">
+        <a:scrgbClr r="0" g="0" b="0"/>
+      </a:fillRef>
+      <a:effectRef idx="0">
+        <a:scrgbClr r="0" g="0" b="0"/>
+      </a:effectRef>
+      <a:fontRef idx="minor"/>
+    </dgm:style>
+  </dgm:styleLbl>
+  <dgm:styleLbl name="dkBgShp">
+    <dgm:scene3d>
+      <a:camera prst="orthographicFront"/>
+      <a:lightRig rig="threePt" dir="t"/>
+    </dgm:scene3d>
+    <dgm:sp3d/>
+    <dgm:txPr/>
+    <dgm:style>
+      <a:lnRef idx="0">
+        <a:scrgbClr r="0" g="0" b="0"/>
+      </a:lnRef>
+      <a:fillRef idx="1">
+        <a:scrgbClr r="0" g="0" b="0"/>
+      </a:fillRef>
+      <a:effectRef idx="0">
+        <a:scrgbClr r="0" g="0" b="0"/>
+      </a:effectRef>
+      <a:fontRef idx="minor"/>
+    </dgm:style>
+  </dgm:styleLbl>
+  <dgm:styleLbl name="trBgShp">
+    <dgm:scene3d>
+      <a:camera prst="orthographicFront"/>
+      <a:lightRig rig="threePt" dir="t"/>
+    </dgm:scene3d>
+    <dgm:sp3d/>
+    <dgm:txPr/>
+    <dgm:style>
+      <a:lnRef idx="0">
+        <a:scrgbClr r="0" g="0" b="0"/>
+      </a:lnRef>
+      <a:fillRef idx="1">
+        <a:scrgbClr r="0" g="0" b="0"/>
+      </a:fillRef>
+      <a:effectRef idx="0">
+        <a:scrgbClr r="0" g="0" b="0"/>
+      </a:effectRef>
+      <a:fontRef idx="minor"/>
+    </dgm:style>
+  </dgm:styleLbl>
+  <dgm:styleLbl name="fgShp">
+    <dgm:scene3d>
+      <a:camera prst="orthographicFront"/>
+      <a:lightRig rig="threePt" dir="t"/>
+    </dgm:scene3d>
+    <dgm:sp3d/>
+    <dgm:txPr/>
+    <dgm:style>
+      <a:lnRef idx="2">
+        <a:scrgbClr r="0" g="0" b="0"/>
+      </a:lnRef>
+      <a:fillRef idx="1">
+        <a:scrgbClr r="0" g="0" b="0"/>
+      </a:fillRef>
+      <a:effectRef idx="0">
+        <a:scrgbClr r="0" g="0" b="0"/>
+      </a:effectRef>
+      <a:fontRef idx="minor"/>
+    </dgm:style>
+  </dgm:styleLbl>
+  <dgm:styleLbl name="revTx">
+    <dgm:scene3d>
+      <a:camera prst="orthographicFront"/>
+      <a:lightRig rig="threePt" dir="t"/>
+    </dgm:scene3d>
+    <dgm:sp3d/>
+    <dgm:txPr/>
+    <dgm:style>
+      <a:lnRef idx="0">
+        <a:scrgbClr r="0" g="0" b="0"/>
+      </a:lnRef>
+      <a:fillRef idx="0">
+        <a:scrgbClr r="0" g="0" b="0"/>
+      </a:fillRef>
+      <a:effectRef idx="0">
+        <a:scrgbClr r="0" g="0" b="0"/>
+      </a:effectRef>
+      <a:fontRef idx="minor"/>
+    </dgm:style>
+  </dgm:styleLbl>
+</dgm:styleDef>
+</file>
+
 <file path=ppt/notesMasters/notesMaster1.xml><?xml version="1.0" encoding="utf-8"?>
 <p:notesMaster xmlns:a="http://schemas.openxmlformats.org/drawingml/2006/main" xmlns:r="http://schemas.openxmlformats.org/officeDocument/2006/relationships" xmlns:p="http://schemas.openxmlformats.org/presentationml/2006/main">
   <p:cSld>
@@ -214,7 +3173,7 @@
           <a:p>
             <a:fld id="{A6078773-6BFC-4BD2-A67A-5BD1A17210A9}" type="datetimeFigureOut">
               <a:rPr lang="zh-TW" altLang="en-US" smtClean="0"/>
-              <a:t>2024/9/25</a:t>
+              <a:t>2024/9/26</a:t>
             </a:fld>
             <a:endParaRPr lang="zh-TW" altLang="en-US"/>
           </a:p>
@@ -1368,6 +4327,153 @@
 </p:notes>
 </file>
 
+<file path=ppt/notesSlides/notesSlide8.xml><?xml version="1.0" encoding="utf-8"?>
+<p:notes xmlns:a="http://schemas.openxmlformats.org/drawingml/2006/main" xmlns:r="http://schemas.openxmlformats.org/officeDocument/2006/relationships" xmlns:p="http://schemas.openxmlformats.org/presentationml/2006/main">
+  <p:cSld>
+    <p:spTree>
+      <p:nvGrpSpPr>
+        <p:cNvPr id="1" name=""/>
+        <p:cNvGrpSpPr/>
+        <p:nvPr/>
+      </p:nvGrpSpPr>
+      <p:grpSpPr>
+        <a:xfrm>
+          <a:off x="0" y="0"/>
+          <a:ext cx="0" cy="0"/>
+          <a:chOff x="0" y="0"/>
+          <a:chExt cx="0" cy="0"/>
+        </a:xfrm>
+      </p:grpSpPr>
+      <p:sp>
+        <p:nvSpPr>
+          <p:cNvPr id="2" name="投影片影像版面配置區 1"/>
+          <p:cNvSpPr>
+            <a:spLocks noGrp="1" noRot="1" noChangeAspect="1"/>
+          </p:cNvSpPr>
+          <p:nvPr>
+            <p:ph type="sldImg"/>
+          </p:nvPr>
+        </p:nvSpPr>
+        <p:spPr/>
+      </p:sp>
+      <p:sp>
+        <p:nvSpPr>
+          <p:cNvPr id="3" name="備忘稿版面配置區 2"/>
+          <p:cNvSpPr>
+            <a:spLocks noGrp="1"/>
+          </p:cNvSpPr>
+          <p:nvPr>
+            <p:ph type="body" idx="1"/>
+          </p:nvPr>
+        </p:nvSpPr>
+        <p:spPr/>
+        <p:txBody>
+          <a:bodyPr/>
+          <a:lstStyle/>
+          <a:p>
+            <a:r>
+              <a:rPr lang="zh-TW" altLang="en-US" dirty="0"/>
+              <a:t>**分治法（</a:t>
+            </a:r>
+            <a:r>
+              <a:rPr lang="en-US" altLang="zh-TW" dirty="0"/>
+              <a:t>Divide and Conquer</a:t>
+            </a:r>
+            <a:r>
+              <a:rPr lang="zh-TW" altLang="en-US" dirty="0"/>
+              <a:t>）**是一種算法設計範式，用於解決複雜問題。它的基本思想是將一個問題分解為若干個相同或類似的子問題，遞迴解決每個子問題，然後將這些解決方案合併成原問題的解決方案。這種方法通常應用於需要分解成較小問題並逐步解決的情況。</a:t>
+            </a:r>
+            <a:endParaRPr lang="en-US" altLang="zh-TW" dirty="0"/>
+          </a:p>
+          <a:p>
+            <a:endParaRPr lang="zh-TW" altLang="en-US" dirty="0"/>
+          </a:p>
+          <a:p>
+            <a:r>
+              <a:rPr lang="zh-TW" altLang="en-US" b="1" dirty="0"/>
+              <a:t>分治法的特點：</a:t>
+            </a:r>
+          </a:p>
+          <a:p>
+            <a:pPr>
+              <a:buFont typeface="Arial" panose="020B0604020202020204" pitchFamily="34" charset="0"/>
+              <a:buChar char="•"/>
+            </a:pPr>
+            <a:r>
+              <a:rPr lang="zh-TW" altLang="en-US" b="1" dirty="0"/>
+              <a:t>遞迴性</a:t>
+            </a:r>
+            <a:r>
+              <a:rPr lang="zh-TW" altLang="en-US" dirty="0"/>
+              <a:t>：通常使用遞迴來解決子問題。</a:t>
+            </a:r>
+          </a:p>
+          <a:p>
+            <a:pPr>
+              <a:buFont typeface="Arial" panose="020B0604020202020204" pitchFamily="34" charset="0"/>
+              <a:buChar char="•"/>
+            </a:pPr>
+            <a:r>
+              <a:rPr lang="zh-TW" altLang="en-US" b="1" dirty="0"/>
+              <a:t>問題拆解</a:t>
+            </a:r>
+            <a:r>
+              <a:rPr lang="zh-TW" altLang="en-US" dirty="0"/>
+              <a:t>：將大問題轉換為小問題，使得處理複雜問題更加簡單和系統化。</a:t>
+            </a:r>
+          </a:p>
+          <a:p>
+            <a:pPr>
+              <a:buFont typeface="Arial" panose="020B0604020202020204" pitchFamily="34" charset="0"/>
+              <a:buChar char="•"/>
+            </a:pPr>
+            <a:r>
+              <a:rPr lang="zh-TW" altLang="en-US" b="1" dirty="0"/>
+              <a:t>應用範圍廣泛</a:t>
+            </a:r>
+            <a:r>
+              <a:rPr lang="zh-TW" altLang="en-US" dirty="0"/>
+              <a:t>：在排序、搜尋、圖算法等領域中廣泛應用。</a:t>
+            </a:r>
+          </a:p>
+        </p:txBody>
+      </p:sp>
+      <p:sp>
+        <p:nvSpPr>
+          <p:cNvPr id="4" name="投影片編號版面配置區 3"/>
+          <p:cNvSpPr>
+            <a:spLocks noGrp="1"/>
+          </p:cNvSpPr>
+          <p:nvPr>
+            <p:ph type="sldNum" sz="quarter" idx="5"/>
+          </p:nvPr>
+        </p:nvSpPr>
+        <p:spPr/>
+        <p:txBody>
+          <a:bodyPr/>
+          <a:lstStyle/>
+          <a:p>
+            <a:fld id="{C026E647-08E7-4DB1-ADA8-F0C2472C3D33}" type="slidenum">
+              <a:rPr lang="zh-TW" altLang="en-US" smtClean="0"/>
+              <a:t>8</a:t>
+            </a:fld>
+            <a:endParaRPr lang="zh-TW" altLang="en-US"/>
+          </a:p>
+        </p:txBody>
+      </p:sp>
+    </p:spTree>
+    <p:extLst>
+      <p:ext uri="{BB962C8B-B14F-4D97-AF65-F5344CB8AC3E}">
+        <p14:creationId xmlns:p14="http://schemas.microsoft.com/office/powerpoint/2010/main" val="2629831107"/>
+      </p:ext>
+    </p:extLst>
+  </p:cSld>
+  <p:clrMapOvr>
+    <a:masterClrMapping/>
+  </p:clrMapOvr>
+</p:notes>
+</file>
+
 <file path=ppt/slideLayouts/slideLayout1.xml><?xml version="1.0" encoding="utf-8"?>
 <p:sldLayout xmlns:a="http://schemas.openxmlformats.org/drawingml/2006/main" xmlns:r="http://schemas.openxmlformats.org/officeDocument/2006/relationships" xmlns:p="http://schemas.openxmlformats.org/presentationml/2006/main" type="title" preserve="1">
   <p:cSld name="標題投影片">
@@ -1515,7 +4621,7 @@
           <a:p>
             <a:fld id="{7B8E4FAC-5E70-4F91-8C58-3D60DA83E15E}" type="datetimeFigureOut">
               <a:rPr lang="zh-TW" altLang="en-US" smtClean="0"/>
-              <a:t>2024/9/25</a:t>
+              <a:t>2024/9/26</a:t>
             </a:fld>
             <a:endParaRPr lang="zh-TW" altLang="en-US"/>
           </a:p>
@@ -1713,7 +4819,7 @@
           <a:p>
             <a:fld id="{7B8E4FAC-5E70-4F91-8C58-3D60DA83E15E}" type="datetimeFigureOut">
               <a:rPr lang="zh-TW" altLang="en-US" smtClean="0"/>
-              <a:t>2024/9/25</a:t>
+              <a:t>2024/9/26</a:t>
             </a:fld>
             <a:endParaRPr lang="zh-TW" altLang="en-US"/>
           </a:p>
@@ -1921,7 +5027,7 @@
           <a:p>
             <a:fld id="{7B8E4FAC-5E70-4F91-8C58-3D60DA83E15E}" type="datetimeFigureOut">
               <a:rPr lang="zh-TW" altLang="en-US" smtClean="0"/>
-              <a:t>2024/9/25</a:t>
+              <a:t>2024/9/26</a:t>
             </a:fld>
             <a:endParaRPr lang="zh-TW" altLang="en-US"/>
           </a:p>
@@ -2119,7 +5225,7 @@
           <a:p>
             <a:fld id="{7B8E4FAC-5E70-4F91-8C58-3D60DA83E15E}" type="datetimeFigureOut">
               <a:rPr lang="zh-TW" altLang="en-US" smtClean="0"/>
-              <a:t>2024/9/25</a:t>
+              <a:t>2024/9/26</a:t>
             </a:fld>
             <a:endParaRPr lang="zh-TW" altLang="en-US"/>
           </a:p>
@@ -2410,7 +5516,7 @@
           <a:p>
             <a:fld id="{7B8E4FAC-5E70-4F91-8C58-3D60DA83E15E}" type="datetimeFigureOut">
               <a:rPr lang="zh-TW" altLang="en-US" smtClean="0"/>
-              <a:t>2024/9/25</a:t>
+              <a:t>2024/9/26</a:t>
             </a:fld>
             <a:endParaRPr lang="zh-TW" altLang="en-US"/>
           </a:p>
@@ -2675,7 +5781,7 @@
           <a:p>
             <a:fld id="{7B8E4FAC-5E70-4F91-8C58-3D60DA83E15E}" type="datetimeFigureOut">
               <a:rPr lang="zh-TW" altLang="en-US" smtClean="0"/>
-              <a:t>2024/9/25</a:t>
+              <a:t>2024/9/26</a:t>
             </a:fld>
             <a:endParaRPr lang="zh-TW" altLang="en-US"/>
           </a:p>
@@ -3087,7 +6193,7 @@
           <a:p>
             <a:fld id="{7B8E4FAC-5E70-4F91-8C58-3D60DA83E15E}" type="datetimeFigureOut">
               <a:rPr lang="zh-TW" altLang="en-US" smtClean="0"/>
-              <a:t>2024/9/25</a:t>
+              <a:t>2024/9/26</a:t>
             </a:fld>
             <a:endParaRPr lang="zh-TW" altLang="en-US"/>
           </a:p>
@@ -3228,7 +6334,7 @@
           <a:p>
             <a:fld id="{7B8E4FAC-5E70-4F91-8C58-3D60DA83E15E}" type="datetimeFigureOut">
               <a:rPr lang="zh-TW" altLang="en-US" smtClean="0"/>
-              <a:t>2024/9/25</a:t>
+              <a:t>2024/9/26</a:t>
             </a:fld>
             <a:endParaRPr lang="zh-TW" altLang="en-US"/>
           </a:p>
@@ -3341,7 +6447,7 @@
           <a:p>
             <a:fld id="{7B8E4FAC-5E70-4F91-8C58-3D60DA83E15E}" type="datetimeFigureOut">
               <a:rPr lang="zh-TW" altLang="en-US" smtClean="0"/>
-              <a:t>2024/9/25</a:t>
+              <a:t>2024/9/26</a:t>
             </a:fld>
             <a:endParaRPr lang="zh-TW" altLang="en-US"/>
           </a:p>
@@ -3652,7 +6758,7 @@
           <a:p>
             <a:fld id="{7B8E4FAC-5E70-4F91-8C58-3D60DA83E15E}" type="datetimeFigureOut">
               <a:rPr lang="zh-TW" altLang="en-US" smtClean="0"/>
-              <a:t>2024/9/25</a:t>
+              <a:t>2024/9/26</a:t>
             </a:fld>
             <a:endParaRPr lang="zh-TW" altLang="en-US"/>
           </a:p>
@@ -3956,7 +7062,7 @@
           <a:p>
             <a:fld id="{7B8E4FAC-5E70-4F91-8C58-3D60DA83E15E}" type="datetimeFigureOut">
               <a:rPr lang="zh-TW" altLang="en-US" smtClean="0"/>
-              <a:t>2024/9/25</a:t>
+              <a:t>2024/9/26</a:t>
             </a:fld>
             <a:endParaRPr lang="zh-TW" altLang="en-US"/>
           </a:p>
@@ -4213,7 +7319,7 @@
           <a:p>
             <a:fld id="{7B8E4FAC-5E70-4F91-8C58-3D60DA83E15E}" type="datetimeFigureOut">
               <a:rPr lang="zh-TW" altLang="en-US" smtClean="0"/>
-              <a:t>2024/9/25</a:t>
+              <a:t>2024/9/26</a:t>
             </a:fld>
             <a:endParaRPr lang="zh-TW" altLang="en-US"/>
           </a:p>
@@ -24519,61 +27625,7 @@
           <a:p>
             <a:pPr algn="ctr"/>
             <a:r>
-              <a:rPr lang="zh-TW" altLang="en-US" sz="5200" kern="1200" dirty="0">
-                <a:solidFill>
-                  <a:schemeClr val="tx2"/>
-                </a:solidFill>
-                <a:latin typeface="華康中特圓體" panose="020F0809000000000000" pitchFamily="49" charset="-120"/>
-                <a:ea typeface="華康中特圓體" panose="020F0809000000000000" pitchFamily="49" charset="-120"/>
-              </a:rPr>
-              <a:t>助教是誰</a:t>
-            </a:r>
-            <a:r>
-              <a:rPr lang="en-US" altLang="zh-TW" sz="5200" kern="1200" dirty="0">
-                <a:solidFill>
-                  <a:schemeClr val="tx2"/>
-                </a:solidFill>
-                <a:latin typeface="華康中特圓體" panose="020F0809000000000000" pitchFamily="49" charset="-120"/>
-                <a:ea typeface="華康中特圓體" panose="020F0809000000000000" pitchFamily="49" charset="-120"/>
-              </a:rPr>
-              <a:t>?</a:t>
-            </a:r>
-          </a:p>
-        </p:txBody>
-      </p:sp>
-      <p:sp>
-        <p:nvSpPr>
-          <p:cNvPr id="3" name="內容版面配置區 2">
-            <a:extLst>
-              <a:ext uri="{FF2B5EF4-FFF2-40B4-BE49-F238E27FC236}">
-                <a16:creationId xmlns:a16="http://schemas.microsoft.com/office/drawing/2014/main" id="{D2473F9F-B5D9-91CD-A7FD-B1049FE511D1}"/>
-              </a:ext>
-            </a:extLst>
-          </p:cNvPr>
-          <p:cNvSpPr>
-            <a:spLocks noGrp="1"/>
-          </p:cNvSpPr>
-          <p:nvPr>
-            <p:ph idx="1"/>
-          </p:nvPr>
-        </p:nvSpPr>
-        <p:spPr>
-          <a:xfrm>
-            <a:off x="3215729" y="4165152"/>
-            <a:ext cx="5760846" cy="682079"/>
-          </a:xfrm>
-        </p:spPr>
-        <p:txBody>
-          <a:bodyPr vert="horz" lIns="91440" tIns="45720" rIns="91440" bIns="45720" rtlCol="0">
-            <a:normAutofit/>
-          </a:bodyPr>
-          <a:lstStyle/>
-          <a:p>
-            <a:pPr marL="0" indent="0" algn="ctr">
-              <a:buNone/>
-            </a:pPr>
-            <a:r>
-              <a:rPr lang="zh-TW" altLang="en-US" sz="2400" kern="1200">
+              <a:rPr lang="zh-TW" altLang="en-US" sz="5400" dirty="0">
                 <a:solidFill>
                   <a:schemeClr val="tx2"/>
                 </a:solidFill>
@@ -24583,7 +27635,7 @@
               <a:t>助教用來幹嘛的</a:t>
             </a:r>
             <a:r>
-              <a:rPr lang="en-US" altLang="zh-TW" sz="2400" kern="1200">
+              <a:rPr lang="en-US" altLang="zh-TW" sz="5400" dirty="0">
                 <a:solidFill>
                   <a:schemeClr val="tx2"/>
                 </a:solidFill>
@@ -29480,7 +32532,7 @@
         </p:nvSpPr>
         <p:spPr>
           <a:xfrm>
-            <a:off x="1550116" y="3337259"/>
+            <a:off x="1557931" y="3329444"/>
             <a:ext cx="1311429" cy="1350518"/>
           </a:xfrm>
           <a:custGeom>
@@ -30631,7 +33683,7 @@
             </a:extLst>
           </p:cNvPr>
           <p:cNvSpPr>
-            <a:spLocks/>
+            <a:spLocks noGrp="1"/>
           </p:cNvSpPr>
           <p:nvPr>
             <p:ph type="title"/>
@@ -31571,9 +34623,177 @@
       </p:par>
     </p:tnLst>
     <p:bldLst>
-      <p:bldP spid="2" grpId="0"/>
+      <p:bldP spid="2" grpId="0" animBg="1"/>
     </p:bldLst>
   </p:timing>
+</p:sld>
+</file>
+
+<file path=ppt/slides/slide8.xml><?xml version="1.0" encoding="utf-8"?>
+<p:sld xmlns:a="http://schemas.openxmlformats.org/drawingml/2006/main" xmlns:r="http://schemas.openxmlformats.org/officeDocument/2006/relationships" xmlns:p="http://schemas.openxmlformats.org/presentationml/2006/main">
+  <p:cSld>
+    <p:bg>
+      <p:bgPr>
+        <a:solidFill>
+          <a:schemeClr val="bg1"/>
+        </a:solidFill>
+        <a:effectLst/>
+      </p:bgPr>
+    </p:bg>
+    <p:spTree>
+      <p:nvGrpSpPr>
+        <p:cNvPr id="1" name=""/>
+        <p:cNvGrpSpPr/>
+        <p:nvPr/>
+      </p:nvGrpSpPr>
+      <p:grpSpPr>
+        <a:xfrm>
+          <a:off x="0" y="0"/>
+          <a:ext cx="0" cy="0"/>
+          <a:chOff x="0" y="0"/>
+          <a:chExt cx="0" cy="0"/>
+        </a:xfrm>
+      </p:grpSpPr>
+      <p:sp>
+        <p:nvSpPr>
+          <p:cNvPr id="18" name="Rectangle 17">
+            <a:extLst>
+              <a:ext uri="{FF2B5EF4-FFF2-40B4-BE49-F238E27FC236}">
+                <a16:creationId xmlns:a16="http://schemas.microsoft.com/office/drawing/2014/main" id="{8CA06CD6-90CA-4C45-856C-6771339E1E22}"/>
+              </a:ext>
+              <a:ext uri="{C183D7F6-B498-43B3-948B-1728B52AA6E4}">
+                <adec:decorative xmlns:adec="http://schemas.microsoft.com/office/drawing/2017/decorative" val="1"/>
+              </a:ext>
+            </a:extLst>
+          </p:cNvPr>
+          <p:cNvSpPr>
+            <a:spLocks noGrp="1" noRot="1" noChangeAspect="1" noMove="1" noResize="1" noEditPoints="1" noAdjustHandles="1" noChangeArrowheads="1" noChangeShapeType="1" noTextEdit="1"/>
+          </p:cNvSpPr>
+          <p:nvPr>
+            <p:extLst>
+              <p:ext uri="{386F3935-93C4-4BCD-93E2-E3B085C9AB24}">
+                <p16:designElem xmlns:p16="http://schemas.microsoft.com/office/powerpoint/2015/main" val="1"/>
+              </p:ext>
+            </p:extLst>
+          </p:nvPr>
+        </p:nvSpPr>
+        <p:spPr bwMode="ltGray">
+          <a:xfrm>
+            <a:off x="321564" y="320040"/>
+            <a:ext cx="11548872" cy="6217920"/>
+          </a:xfrm>
+          <a:prstGeom prst="rect">
+            <a:avLst/>
+          </a:prstGeom>
+          <a:solidFill>
+            <a:schemeClr val="tx1">
+              <a:alpha val="10000"/>
+            </a:schemeClr>
+          </a:solidFill>
+          <a:ln w="127000" cap="sq" cmpd="thinThick">
+            <a:noFill/>
+          </a:ln>
+        </p:spPr>
+        <p:style>
+          <a:lnRef idx="2">
+            <a:schemeClr val="accent1">
+              <a:shade val="50000"/>
+            </a:schemeClr>
+          </a:lnRef>
+          <a:fillRef idx="1">
+            <a:schemeClr val="accent1"/>
+          </a:fillRef>
+          <a:effectRef idx="0">
+            <a:schemeClr val="accent1"/>
+          </a:effectRef>
+          <a:fontRef idx="minor">
+            <a:schemeClr val="lt1"/>
+          </a:fontRef>
+        </p:style>
+        <p:txBody>
+          <a:bodyPr rtlCol="0" anchor="ctr"/>
+          <a:lstStyle/>
+          <a:p>
+            <a:pPr algn="ctr"/>
+            <a:endParaRPr lang="en-US"/>
+          </a:p>
+        </p:txBody>
+      </p:sp>
+      <p:sp>
+        <p:nvSpPr>
+          <p:cNvPr id="12" name="標題 11">
+            <a:extLst>
+              <a:ext uri="{FF2B5EF4-FFF2-40B4-BE49-F238E27FC236}">
+                <a16:creationId xmlns:a16="http://schemas.microsoft.com/office/drawing/2014/main" id="{C824D281-A17E-D325-9E2A-414534A91DCB}"/>
+              </a:ext>
+            </a:extLst>
+          </p:cNvPr>
+          <p:cNvSpPr>
+            <a:spLocks noGrp="1"/>
+          </p:cNvSpPr>
+          <p:nvPr>
+            <p:ph type="title"/>
+          </p:nvPr>
+        </p:nvSpPr>
+        <p:spPr>
+          <a:xfrm>
+            <a:off x="838200" y="490169"/>
+            <a:ext cx="10515600" cy="1325563"/>
+          </a:xfrm>
+        </p:spPr>
+        <p:txBody>
+          <a:bodyPr/>
+          <a:lstStyle/>
+          <a:p>
+            <a:pPr algn="ctr"/>
+            <a:r>
+              <a:rPr lang="zh-TW" altLang="en-US" dirty="0">
+                <a:latin typeface="華康中特圓體" panose="020F0809000000000000" pitchFamily="49" charset="-120"/>
+                <a:ea typeface="華康中特圓體" panose="020F0809000000000000" pitchFamily="49" charset="-120"/>
+              </a:rPr>
+              <a:t>分治法三步驟</a:t>
+            </a:r>
+          </a:p>
+        </p:txBody>
+      </p:sp>
+      <p:graphicFrame>
+        <p:nvGraphicFramePr>
+          <p:cNvPr id="21" name="文字方塊 12">
+            <a:extLst>
+              <a:ext uri="{FF2B5EF4-FFF2-40B4-BE49-F238E27FC236}">
+                <a16:creationId xmlns:a16="http://schemas.microsoft.com/office/drawing/2014/main" id="{3BA84C07-4189-A768-DEC2-6E3CAFC960DA}"/>
+              </a:ext>
+            </a:extLst>
+          </p:cNvPr>
+          <p:cNvGraphicFramePr/>
+          <p:nvPr>
+            <p:extLst>
+              <p:ext uri="{D42A27DB-BD31-4B8C-83A1-F6EECF244321}">
+                <p14:modId xmlns:p14="http://schemas.microsoft.com/office/powerpoint/2010/main" val="4223305313"/>
+              </p:ext>
+            </p:extLst>
+          </p:nvPr>
+        </p:nvGraphicFramePr>
+        <p:xfrm>
+          <a:off x="1955800" y="2126538"/>
+          <a:ext cx="8280400" cy="3120067"/>
+        </p:xfrm>
+        <a:graphic>
+          <a:graphicData uri="http://schemas.openxmlformats.org/drawingml/2006/diagram">
+            <dgm:relIds xmlns:dgm="http://schemas.openxmlformats.org/drawingml/2006/diagram" xmlns:r="http://schemas.openxmlformats.org/officeDocument/2006/relationships" r:dm="rId3" r:lo="rId4" r:qs="rId5" r:cs="rId6"/>
+          </a:graphicData>
+        </a:graphic>
+      </p:graphicFrame>
+    </p:spTree>
+    <p:extLst>
+      <p:ext uri="{BB962C8B-B14F-4D97-AF65-F5344CB8AC3E}">
+        <p14:creationId xmlns:p14="http://schemas.microsoft.com/office/powerpoint/2010/main" val="2385965120"/>
+      </p:ext>
+    </p:extLst>
+  </p:cSld>
+  <p:clrMapOvr>
+    <a:masterClrMapping/>
+  </p:clrMapOvr>
 </p:sld>
 </file>
 
